--- a/workshop1x/WSNatwork - workshop1.pptx
+++ b/workshop1x/WSNatwork - workshop1.pptx
@@ -5,10 +5,10 @@
     <p:sldMasterId id="2147483648" r:id="rId1"/>
   </p:sldMasterIdLst>
   <p:notesMasterIdLst>
-    <p:notesMasterId r:id="rId16"/>
+    <p:notesMasterId r:id="rId18"/>
   </p:notesMasterIdLst>
   <p:handoutMasterIdLst>
-    <p:handoutMasterId r:id="rId17"/>
+    <p:handoutMasterId r:id="rId19"/>
   </p:handoutMasterIdLst>
   <p:sldIdLst>
     <p:sldId id="285" r:id="rId2"/>
@@ -22,12 +22,14 @@
     <p:sldId id="287" r:id="rId10"/>
     <p:sldId id="290" r:id="rId11"/>
     <p:sldId id="291" r:id="rId12"/>
-    <p:sldId id="288" r:id="rId13"/>
-    <p:sldId id="297" r:id="rId14"/>
-    <p:sldId id="296" r:id="rId15"/>
+    <p:sldId id="298" r:id="rId13"/>
+    <p:sldId id="288" r:id="rId14"/>
+    <p:sldId id="297" r:id="rId15"/>
+    <p:sldId id="296" r:id="rId16"/>
+    <p:sldId id="299" r:id="rId17"/>
   </p:sldIdLst>
   <p:sldSz cx="9144000" cy="6858000" type="screen4x3"/>
-  <p:notesSz cx="6858000" cy="9144000"/>
+  <p:notesSz cx="6794500" cy="9906000"/>
   <p:defaultTextStyle>
     <a:defPPr>
       <a:defRPr lang="es-ES"/>
@@ -191,7 +193,7 @@
         <p:spPr>
           <a:xfrm>
             <a:off x="0" y="0"/>
-            <a:ext cx="2971800" cy="457200"/>
+            <a:ext cx="2944283" cy="495300"/>
           </a:xfrm>
           <a:prstGeom prst="rect">
             <a:avLst/>
@@ -221,8 +223,8 @@
         </p:nvSpPr>
         <p:spPr>
           <a:xfrm>
-            <a:off x="3884613" y="0"/>
-            <a:ext cx="2971800" cy="457200"/>
+            <a:off x="3848645" y="0"/>
+            <a:ext cx="2944283" cy="495300"/>
           </a:xfrm>
           <a:prstGeom prst="rect">
             <a:avLst/>
@@ -239,7 +241,7 @@
             <a:fld id="{42C944E5-7267-49E9-9024-F89C14269E11}" type="datetimeFigureOut">
               <a:rPr lang="nl-NL" smtClean="0"/>
               <a:pPr/>
-              <a:t>29-11-2015</a:t>
+              <a:t>15-2-2016</a:t>
             </a:fld>
             <a:endParaRPr lang="nl-NL"/>
           </a:p>
@@ -257,8 +259,8 @@
         </p:nvSpPr>
         <p:spPr>
           <a:xfrm>
-            <a:off x="0" y="8685213"/>
-            <a:ext cx="2971800" cy="457200"/>
+            <a:off x="0" y="9408981"/>
+            <a:ext cx="2944283" cy="495300"/>
           </a:xfrm>
           <a:prstGeom prst="rect">
             <a:avLst/>
@@ -288,8 +290,8 @@
         </p:nvSpPr>
         <p:spPr>
           <a:xfrm>
-            <a:off x="3884613" y="8685213"/>
-            <a:ext cx="2971800" cy="457200"/>
+            <a:off x="3848645" y="9408981"/>
+            <a:ext cx="2944283" cy="495300"/>
           </a:xfrm>
           <a:prstGeom prst="rect">
             <a:avLst/>
@@ -306,7 +308,7 @@
             <a:fld id="{A16616E0-91A4-499E-81B1-0CF0F465E4C4}" type="slidenum">
               <a:rPr lang="nl-NL" smtClean="0"/>
               <a:pPr/>
-              <a:t>‹nr.›</a:t>
+              <a:t>‹#›</a:t>
             </a:fld>
             <a:endParaRPr lang="nl-NL"/>
           </a:p>
@@ -315,7 +317,7 @@
     </p:spTree>
     <p:extLst>
       <p:ext uri="{BB962C8B-B14F-4D97-AF65-F5344CB8AC3E}">
-        <p14:creationId xmlns:p14="http://schemas.microsoft.com/office/powerpoint/2010/main" val="1606511199"/>
+        <p14:creationId xmlns:p14="http://schemas.microsoft.com/office/powerpoint/2010/main" xmlns="" val="1606511199"/>
       </p:ext>
     </p:extLst>
   </p:cSld>
@@ -358,7 +360,7 @@
         <p:spPr>
           <a:xfrm>
             <a:off x="0" y="0"/>
-            <a:ext cx="2971800" cy="457200"/>
+            <a:ext cx="2944283" cy="495300"/>
           </a:xfrm>
           <a:prstGeom prst="rect">
             <a:avLst/>
@@ -388,8 +390,8 @@
         </p:nvSpPr>
         <p:spPr>
           <a:xfrm>
-            <a:off x="3884613" y="0"/>
-            <a:ext cx="2971800" cy="457200"/>
+            <a:off x="3848645" y="0"/>
+            <a:ext cx="2944283" cy="495300"/>
           </a:xfrm>
           <a:prstGeom prst="rect">
             <a:avLst/>
@@ -406,7 +408,7 @@
             <a:fld id="{BBBD1AA2-88FB-4D6F-95D1-F27A8A41D388}" type="datetimeFigureOut">
               <a:rPr lang="nl-BE" smtClean="0"/>
               <a:pPr/>
-              <a:t>29/11/2015</a:t>
+              <a:t>15/02/2016</a:t>
             </a:fld>
             <a:endParaRPr lang="nl-BE"/>
           </a:p>
@@ -424,8 +426,8 @@
         </p:nvSpPr>
         <p:spPr>
           <a:xfrm>
-            <a:off x="1143000" y="685800"/>
-            <a:ext cx="4572000" cy="3429000"/>
+            <a:off x="920750" y="742950"/>
+            <a:ext cx="4953000" cy="3714750"/>
           </a:xfrm>
           <a:prstGeom prst="rect">
             <a:avLst/>
@@ -457,8 +459,8 @@
         </p:nvSpPr>
         <p:spPr>
           <a:xfrm>
-            <a:off x="685800" y="4343400"/>
-            <a:ext cx="5486400" cy="4114800"/>
+            <a:off x="679450" y="4705350"/>
+            <a:ext cx="5435600" cy="4457700"/>
           </a:xfrm>
           <a:prstGeom prst="rect">
             <a:avLst/>
@@ -519,8 +521,8 @@
         </p:nvSpPr>
         <p:spPr>
           <a:xfrm>
-            <a:off x="0" y="8685213"/>
-            <a:ext cx="2971800" cy="457200"/>
+            <a:off x="0" y="9408981"/>
+            <a:ext cx="2944283" cy="495300"/>
           </a:xfrm>
           <a:prstGeom prst="rect">
             <a:avLst/>
@@ -550,8 +552,8 @@
         </p:nvSpPr>
         <p:spPr>
           <a:xfrm>
-            <a:off x="3884613" y="8685213"/>
-            <a:ext cx="2971800" cy="457200"/>
+            <a:off x="3848645" y="9408981"/>
+            <a:ext cx="2944283" cy="495300"/>
           </a:xfrm>
           <a:prstGeom prst="rect">
             <a:avLst/>
@@ -568,7 +570,7 @@
             <a:fld id="{85439C94-657D-4310-B2E0-6C3DD422A537}" type="slidenum">
               <a:rPr lang="nl-BE" smtClean="0"/>
               <a:pPr/>
-              <a:t>‹nr.›</a:t>
+              <a:t>‹#›</a:t>
             </a:fld>
             <a:endParaRPr lang="nl-BE"/>
           </a:p>
@@ -577,7 +579,7 @@
     </p:spTree>
     <p:extLst>
       <p:ext uri="{BB962C8B-B14F-4D97-AF65-F5344CB8AC3E}">
-        <p14:creationId xmlns:p14="http://schemas.microsoft.com/office/powerpoint/2010/main" val="3067019558"/>
+        <p14:creationId xmlns:p14="http://schemas.microsoft.com/office/powerpoint/2010/main" xmlns="" val="3067019558"/>
       </p:ext>
     </p:extLst>
   </p:cSld>
@@ -752,7 +754,7 @@
     </p:spTree>
     <p:extLst>
       <p:ext uri="{BB962C8B-B14F-4D97-AF65-F5344CB8AC3E}">
-        <p14:creationId xmlns:p14="http://schemas.microsoft.com/office/powerpoint/2010/main" val="1749249067"/>
+        <p14:creationId xmlns:p14="http://schemas.microsoft.com/office/powerpoint/2010/main" xmlns="" val="1749249067"/>
       </p:ext>
     </p:extLst>
   </p:cSld>
@@ -1159,6 +1161,170 @@
               <a:rPr lang="nl-BE" smtClean="0"/>
               <a:pPr/>
               <a:t>14</a:t>
+            </a:fld>
+            <a:endParaRPr lang="nl-BE"/>
+          </a:p>
+        </p:txBody>
+      </p:sp>
+    </p:spTree>
+  </p:cSld>
+  <p:clrMapOvr>
+    <a:masterClrMapping/>
+  </p:clrMapOvr>
+</p:notes>
+</file>
+
+<file path=ppt/notesSlides/notesSlide15.xml><?xml version="1.0" encoding="utf-8"?>
+<p:notes xmlns:a="http://schemas.openxmlformats.org/drawingml/2006/main" xmlns:r="http://schemas.openxmlformats.org/officeDocument/2006/relationships" xmlns:p="http://schemas.openxmlformats.org/presentationml/2006/main">
+  <p:cSld>
+    <p:spTree>
+      <p:nvGrpSpPr>
+        <p:cNvPr id="1" name=""/>
+        <p:cNvGrpSpPr/>
+        <p:nvPr/>
+      </p:nvGrpSpPr>
+      <p:grpSpPr>
+        <a:xfrm>
+          <a:off x="0" y="0"/>
+          <a:ext cx="0" cy="0"/>
+          <a:chOff x="0" y="0"/>
+          <a:chExt cx="0" cy="0"/>
+        </a:xfrm>
+      </p:grpSpPr>
+      <p:sp>
+        <p:nvSpPr>
+          <p:cNvPr id="2" name="Tijdelijke aanduiding voor dia-afbeelding 1"/>
+          <p:cNvSpPr>
+            <a:spLocks noGrp="1" noRot="1" noChangeAspect="1"/>
+          </p:cNvSpPr>
+          <p:nvPr>
+            <p:ph type="sldImg"/>
+          </p:nvPr>
+        </p:nvSpPr>
+        <p:spPr/>
+      </p:sp>
+      <p:sp>
+        <p:nvSpPr>
+          <p:cNvPr id="3" name="Tijdelijke aanduiding voor notities 2"/>
+          <p:cNvSpPr>
+            <a:spLocks noGrp="1"/>
+          </p:cNvSpPr>
+          <p:nvPr>
+            <p:ph type="body" idx="1"/>
+          </p:nvPr>
+        </p:nvSpPr>
+        <p:spPr/>
+        <p:txBody>
+          <a:bodyPr>
+            <a:normAutofit/>
+          </a:bodyPr>
+          <a:lstStyle/>
+          <a:p>
+            <a:endParaRPr lang="nl-BE" dirty="0"/>
+          </a:p>
+        </p:txBody>
+      </p:sp>
+      <p:sp>
+        <p:nvSpPr>
+          <p:cNvPr id="4" name="Tijdelijke aanduiding voor dianummer 3"/>
+          <p:cNvSpPr>
+            <a:spLocks noGrp="1"/>
+          </p:cNvSpPr>
+          <p:nvPr>
+            <p:ph type="sldNum" sz="quarter" idx="10"/>
+          </p:nvPr>
+        </p:nvSpPr>
+        <p:spPr/>
+        <p:txBody>
+          <a:bodyPr/>
+          <a:lstStyle/>
+          <a:p>
+            <a:fld id="{85439C94-657D-4310-B2E0-6C3DD422A537}" type="slidenum">
+              <a:rPr lang="nl-BE" smtClean="0"/>
+              <a:pPr/>
+              <a:t>15</a:t>
+            </a:fld>
+            <a:endParaRPr lang="nl-BE"/>
+          </a:p>
+        </p:txBody>
+      </p:sp>
+    </p:spTree>
+  </p:cSld>
+  <p:clrMapOvr>
+    <a:masterClrMapping/>
+  </p:clrMapOvr>
+</p:notes>
+</file>
+
+<file path=ppt/notesSlides/notesSlide16.xml><?xml version="1.0" encoding="utf-8"?>
+<p:notes xmlns:a="http://schemas.openxmlformats.org/drawingml/2006/main" xmlns:r="http://schemas.openxmlformats.org/officeDocument/2006/relationships" xmlns:p="http://schemas.openxmlformats.org/presentationml/2006/main">
+  <p:cSld>
+    <p:spTree>
+      <p:nvGrpSpPr>
+        <p:cNvPr id="1" name=""/>
+        <p:cNvGrpSpPr/>
+        <p:nvPr/>
+      </p:nvGrpSpPr>
+      <p:grpSpPr>
+        <a:xfrm>
+          <a:off x="0" y="0"/>
+          <a:ext cx="0" cy="0"/>
+          <a:chOff x="0" y="0"/>
+          <a:chExt cx="0" cy="0"/>
+        </a:xfrm>
+      </p:grpSpPr>
+      <p:sp>
+        <p:nvSpPr>
+          <p:cNvPr id="2" name="Tijdelijke aanduiding voor dia-afbeelding 1"/>
+          <p:cNvSpPr>
+            <a:spLocks noGrp="1" noRot="1" noChangeAspect="1"/>
+          </p:cNvSpPr>
+          <p:nvPr>
+            <p:ph type="sldImg"/>
+          </p:nvPr>
+        </p:nvSpPr>
+        <p:spPr/>
+      </p:sp>
+      <p:sp>
+        <p:nvSpPr>
+          <p:cNvPr id="3" name="Tijdelijke aanduiding voor notities 2"/>
+          <p:cNvSpPr>
+            <a:spLocks noGrp="1"/>
+          </p:cNvSpPr>
+          <p:nvPr>
+            <p:ph type="body" idx="1"/>
+          </p:nvPr>
+        </p:nvSpPr>
+        <p:spPr/>
+        <p:txBody>
+          <a:bodyPr>
+            <a:normAutofit/>
+          </a:bodyPr>
+          <a:lstStyle/>
+          <a:p>
+            <a:endParaRPr lang="nl-BE" dirty="0"/>
+          </a:p>
+        </p:txBody>
+      </p:sp>
+      <p:sp>
+        <p:nvSpPr>
+          <p:cNvPr id="4" name="Tijdelijke aanduiding voor dianummer 3"/>
+          <p:cNvSpPr>
+            <a:spLocks noGrp="1"/>
+          </p:cNvSpPr>
+          <p:nvPr>
+            <p:ph type="sldNum" sz="quarter" idx="10"/>
+          </p:nvPr>
+        </p:nvSpPr>
+        <p:spPr/>
+        <p:txBody>
+          <a:bodyPr/>
+          <a:lstStyle/>
+          <a:p>
+            <a:fld id="{85439C94-657D-4310-B2E0-6C3DD422A537}" type="slidenum">
+              <a:rPr lang="nl-BE" smtClean="0"/>
+              <a:pPr/>
+              <a:t>16</a:t>
             </a:fld>
             <a:endParaRPr lang="nl-BE"/>
           </a:p>
@@ -2023,7 +2189,7 @@
               <a:pPr>
                 <a:defRPr/>
               </a:pPr>
-              <a:t>‹nr.›</a:t>
+              <a:t>‹#›</a:t>
             </a:fld>
             <a:endParaRPr lang="es-ES"/>
           </a:p>
@@ -2214,7 +2380,7 @@
               <a:pPr>
                 <a:defRPr/>
               </a:pPr>
-              <a:t>‹nr.›</a:t>
+              <a:t>‹#›</a:t>
             </a:fld>
             <a:endParaRPr lang="es-ES"/>
           </a:p>
@@ -2415,7 +2581,7 @@
               <a:pPr>
                 <a:defRPr/>
               </a:pPr>
-              <a:t>‹nr.›</a:t>
+              <a:t>‹#›</a:t>
             </a:fld>
             <a:endParaRPr lang="es-ES"/>
           </a:p>
@@ -2606,7 +2772,7 @@
               <a:pPr>
                 <a:defRPr/>
               </a:pPr>
-              <a:t>‹nr.›</a:t>
+              <a:t>‹#›</a:t>
             </a:fld>
             <a:endParaRPr lang="es-ES"/>
           </a:p>
@@ -2819,7 +2985,7 @@
               <a:pPr>
                 <a:defRPr/>
               </a:pPr>
-              <a:t>‹nr.›</a:t>
+              <a:t>‹#›</a:t>
             </a:fld>
             <a:endParaRPr lang="es-ES"/>
           </a:p>
@@ -3128,7 +3294,7 @@
               <a:pPr>
                 <a:defRPr/>
               </a:pPr>
-              <a:t>‹nr.›</a:t>
+              <a:t>‹#›</a:t>
             </a:fld>
             <a:endParaRPr lang="es-ES"/>
           </a:p>
@@ -3571,7 +3737,7 @@
               <a:pPr>
                 <a:defRPr/>
               </a:pPr>
-              <a:t>‹nr.›</a:t>
+              <a:t>‹#›</a:t>
             </a:fld>
             <a:endParaRPr lang="es-ES"/>
           </a:p>
@@ -3710,7 +3876,7 @@
               <a:pPr>
                 <a:defRPr/>
               </a:pPr>
-              <a:t>‹nr.›</a:t>
+              <a:t>‹#›</a:t>
             </a:fld>
             <a:endParaRPr lang="es-ES"/>
           </a:p>
@@ -3826,7 +3992,7 @@
               <a:pPr>
                 <a:defRPr/>
               </a:pPr>
-              <a:t>‹nr.›</a:t>
+              <a:t>‹#›</a:t>
             </a:fld>
             <a:endParaRPr lang="es-ES"/>
           </a:p>
@@ -4124,7 +4290,7 @@
               <a:pPr>
                 <a:defRPr/>
               </a:pPr>
-              <a:t>‹nr.›</a:t>
+              <a:t>‹#›</a:t>
             </a:fld>
             <a:endParaRPr lang="es-ES"/>
           </a:p>
@@ -4399,7 +4565,7 @@
               <a:pPr>
                 <a:defRPr/>
               </a:pPr>
-              <a:t>‹nr.›</a:t>
+              <a:t>‹#›</a:t>
             </a:fld>
             <a:endParaRPr lang="es-ES"/>
           </a:p>
@@ -4581,14 +4747,14 @@
           <a:effectLst/>
           <a:extLst>
             <a:ext uri="{909E8E84-426E-40DD-AFC4-6F175D3DCCD1}">
-              <a14:hiddenFill xmlns:a14="http://schemas.microsoft.com/office/drawing/2010/main">
+              <a14:hiddenFill xmlns:a14="http://schemas.microsoft.com/office/drawing/2010/main" xmlns="">
                 <a:solidFill>
                   <a:schemeClr val="accent1"/>
                 </a:solidFill>
               </a14:hiddenFill>
             </a:ext>
             <a:ext uri="{91240B29-F687-4F45-9708-019B960494DF}">
-              <a14:hiddenLine xmlns:a14="http://schemas.microsoft.com/office/drawing/2010/main" w="9525">
+              <a14:hiddenLine xmlns:a14="http://schemas.microsoft.com/office/drawing/2010/main" xmlns="" w="9525">
                 <a:solidFill>
                   <a:schemeClr val="tx1"/>
                 </a:solidFill>
@@ -4598,7 +4764,7 @@
               </a14:hiddenLine>
             </a:ext>
             <a:ext uri="{AF507438-7753-43E0-B8FC-AC1667EBCBE1}">
-              <a14:hiddenEffects xmlns:a14="http://schemas.microsoft.com/office/drawing/2010/main">
+              <a14:hiddenEffects xmlns:a14="http://schemas.microsoft.com/office/drawing/2010/main" xmlns="">
                 <a:effectLst>
                   <a:outerShdw dist="35921" dir="2700000" algn="ctr" rotWithShape="0">
                     <a:schemeClr val="bg2"/>
@@ -4654,14 +4820,14 @@
           <a:effectLst/>
           <a:extLst>
             <a:ext uri="{909E8E84-426E-40DD-AFC4-6F175D3DCCD1}">
-              <a14:hiddenFill xmlns:a14="http://schemas.microsoft.com/office/drawing/2010/main">
+              <a14:hiddenFill xmlns:a14="http://schemas.microsoft.com/office/drawing/2010/main" xmlns="">
                 <a:solidFill>
                   <a:schemeClr val="accent1"/>
                 </a:solidFill>
               </a14:hiddenFill>
             </a:ext>
             <a:ext uri="{91240B29-F687-4F45-9708-019B960494DF}">
-              <a14:hiddenLine xmlns:a14="http://schemas.microsoft.com/office/drawing/2010/main" w="9525">
+              <a14:hiddenLine xmlns:a14="http://schemas.microsoft.com/office/drawing/2010/main" xmlns="" w="9525">
                 <a:solidFill>
                   <a:schemeClr val="tx1"/>
                 </a:solidFill>
@@ -4671,7 +4837,7 @@
               </a14:hiddenLine>
             </a:ext>
             <a:ext uri="{AF507438-7753-43E0-B8FC-AC1667EBCBE1}">
-              <a14:hiddenEffects xmlns:a14="http://schemas.microsoft.com/office/drawing/2010/main">
+              <a14:hiddenEffects xmlns:a14="http://schemas.microsoft.com/office/drawing/2010/main" xmlns="">
                 <a:effectLst>
                   <a:outerShdw dist="35921" dir="2700000" algn="ctr" rotWithShape="0">
                     <a:schemeClr val="bg2"/>
@@ -4727,14 +4893,14 @@
           <a:effectLst/>
           <a:extLst>
             <a:ext uri="{909E8E84-426E-40DD-AFC4-6F175D3DCCD1}">
-              <a14:hiddenFill xmlns:a14="http://schemas.microsoft.com/office/drawing/2010/main">
+              <a14:hiddenFill xmlns:a14="http://schemas.microsoft.com/office/drawing/2010/main" xmlns="">
                 <a:solidFill>
                   <a:schemeClr val="accent1"/>
                 </a:solidFill>
               </a14:hiddenFill>
             </a:ext>
             <a:ext uri="{91240B29-F687-4F45-9708-019B960494DF}">
-              <a14:hiddenLine xmlns:a14="http://schemas.microsoft.com/office/drawing/2010/main" w="9525">
+              <a14:hiddenLine xmlns:a14="http://schemas.microsoft.com/office/drawing/2010/main" xmlns="" w="9525">
                 <a:solidFill>
                   <a:schemeClr val="tx1"/>
                 </a:solidFill>
@@ -4744,7 +4910,7 @@
               </a14:hiddenLine>
             </a:ext>
             <a:ext uri="{AF507438-7753-43E0-B8FC-AC1667EBCBE1}">
-              <a14:hiddenEffects xmlns:a14="http://schemas.microsoft.com/office/drawing/2010/main">
+              <a14:hiddenEffects xmlns:a14="http://schemas.microsoft.com/office/drawing/2010/main" xmlns="">
                 <a:effectLst>
                   <a:outerShdw dist="35921" dir="2700000" algn="ctr" rotWithShape="0">
                     <a:schemeClr val="bg2"/>
@@ -4776,7 +4942,7 @@
               <a:pPr>
                 <a:defRPr/>
               </a:pPr>
-              <a:t>‹nr.›</a:t>
+              <a:t>‹#›</a:t>
             </a:fld>
             <a:endParaRPr lang="es-ES"/>
           </a:p>
@@ -5261,7 +5427,7 @@
     </p:spTree>
     <p:extLst>
       <p:ext uri="{BB962C8B-B14F-4D97-AF65-F5344CB8AC3E}">
-        <p14:creationId xmlns:p14="http://schemas.microsoft.com/office/powerpoint/2010/main" val="783016"/>
+        <p14:creationId xmlns:p14="http://schemas.microsoft.com/office/powerpoint/2010/main" xmlns="" val="783016"/>
       </p:ext>
     </p:extLst>
   </p:cSld>
@@ -5578,7 +5744,7 @@
     </p:spTree>
     <p:extLst>
       <p:ext uri="{BB962C8B-B14F-4D97-AF65-F5344CB8AC3E}">
-        <p14:creationId xmlns:p14="http://schemas.microsoft.com/office/powerpoint/2010/main" val="2805868325"/>
+        <p14:creationId xmlns:p14="http://schemas.microsoft.com/office/powerpoint/2010/main" xmlns="" val="2805868325"/>
       </p:ext>
     </p:extLst>
   </p:cSld>
@@ -5773,10 +5939,10 @@
           <p:nvPr/>
         </p:nvPicPr>
         <p:blipFill>
-          <a:blip r:embed="rId4">
+          <a:blip r:embed="rId4" cstate="print">
             <a:extLst>
               <a:ext uri="{28A0092B-C50C-407E-A947-70E740481C1C}">
-                <a14:useLocalDpi xmlns:a14="http://schemas.microsoft.com/office/drawing/2010/main" val="0"/>
+                <a14:useLocalDpi xmlns:a14="http://schemas.microsoft.com/office/drawing/2010/main" xmlns="" val="0"/>
               </a:ext>
             </a:extLst>
           </a:blip>
@@ -5796,7 +5962,7 @@
           <a:noFill/>
           <a:extLst>
             <a:ext uri="{909E8E84-426E-40DD-AFC4-6F175D3DCCD1}">
-              <a14:hiddenFill xmlns:a14="http://schemas.microsoft.com/office/drawing/2010/main">
+              <a14:hiddenFill xmlns:a14="http://schemas.microsoft.com/office/drawing/2010/main" xmlns="">
                 <a:solidFill>
                   <a:srgbClr val="FFFFFF"/>
                 </a:solidFill>
@@ -5808,7 +5974,7 @@
     </p:spTree>
     <p:extLst>
       <p:ext uri="{BB962C8B-B14F-4D97-AF65-F5344CB8AC3E}">
-        <p14:creationId xmlns:p14="http://schemas.microsoft.com/office/powerpoint/2010/main" val="3357422178"/>
+        <p14:creationId xmlns:p14="http://schemas.microsoft.com/office/powerpoint/2010/main" xmlns="" val="3357422178"/>
       </p:ext>
     </p:extLst>
   </p:cSld>
@@ -5859,12 +6025,20 @@
           <a:p>
             <a:pPr eaLnBrk="1" hangingPunct="1"/>
             <a:r>
+              <a:rPr lang="nl-BE" sz="4000" dirty="0" err="1" smtClean="0">
+                <a:solidFill>
+                  <a:schemeClr val="bg1"/>
+                </a:solidFill>
+              </a:rPr>
+              <a:t>Arduino</a:t>
+            </a:r>
+            <a:r>
               <a:rPr lang="nl-BE" sz="4000" dirty="0" smtClean="0">
                 <a:solidFill>
                   <a:schemeClr val="bg1"/>
                 </a:solidFill>
               </a:rPr>
-              <a:t>“The Radio” : </a:t>
+              <a:t> NANO </a:t>
             </a:r>
             <a:r>
               <a:rPr lang="nl-BE" sz="4000" dirty="0" err="1" smtClean="0">
@@ -5872,16 +6046,28 @@
                   <a:schemeClr val="bg1"/>
                 </a:solidFill>
               </a:rPr>
-              <a:t>Nordic</a:t>
-            </a:r>
-            <a:r>
-              <a:rPr lang="nl-BE" sz="4000" dirty="0" smtClean="0">
+              <a:t>reference</a:t>
+            </a:r>
+            <a:r>
+              <a:rPr lang="nl-BE" sz="4000" dirty="0">
                 <a:solidFill>
                   <a:schemeClr val="bg1"/>
                 </a:solidFill>
               </a:rPr>
-              <a:t> NRF24L01+</a:t>
-            </a:r>
+              <a:t/>
+            </a:r>
+            <a:br>
+              <a:rPr lang="nl-BE" sz="4000" dirty="0">
+                <a:solidFill>
+                  <a:schemeClr val="bg1"/>
+                </a:solidFill>
+              </a:rPr>
+            </a:br>
+            <a:endParaRPr lang="nl-BE" sz="4000" dirty="0" smtClean="0">
+              <a:solidFill>
+                <a:schemeClr val="bg1"/>
+              </a:solidFill>
+            </a:endParaRPr>
           </a:p>
         </p:txBody>
       </p:sp>
@@ -5897,250 +6083,13 @@
         </p:nvSpPr>
         <p:spPr>
           <a:xfrm>
-            <a:off x="539552" y="1412776"/>
+            <a:off x="539552" y="1772816"/>
             <a:ext cx="8229600" cy="4525963"/>
           </a:xfrm>
         </p:spPr>
         <p:txBody>
           <a:bodyPr/>
           <a:lstStyle/>
-          <a:p>
-            <a:pPr eaLnBrk="1" hangingPunct="1">
-              <a:buFontTx/>
-              <a:buChar char="-"/>
-            </a:pPr>
-            <a:r>
-              <a:rPr lang="nl-BE" sz="2800" dirty="0">
-                <a:solidFill>
-                  <a:schemeClr val="accent3"/>
-                </a:solidFill>
-              </a:rPr>
-              <a:t>Datasheet : </a:t>
-            </a:r>
-            <a:r>
-              <a:rPr lang="nl-BE" sz="1400" dirty="0">
-                <a:solidFill>
-                  <a:schemeClr val="accent3"/>
-                </a:solidFill>
-                <a:hlinkClick r:id="rId3"/>
-              </a:rPr>
-              <a:t>http://</a:t>
-            </a:r>
-            <a:r>
-              <a:rPr lang="nl-BE" sz="1400" dirty="0" smtClean="0">
-                <a:solidFill>
-                  <a:schemeClr val="accent3"/>
-                </a:solidFill>
-                <a:hlinkClick r:id="rId3"/>
-              </a:rPr>
-              <a:t>www.nordicsemi.com/eng/Products/2.4GHz-RF/nRF24L01P</a:t>
-            </a:r>
-            <a:endParaRPr lang="nl-BE" sz="1400" dirty="0" smtClean="0">
-              <a:solidFill>
-                <a:schemeClr val="accent3"/>
-              </a:solidFill>
-            </a:endParaRPr>
-          </a:p>
-          <a:p>
-            <a:pPr eaLnBrk="1" hangingPunct="1">
-              <a:buFontTx/>
-              <a:buChar char="-"/>
-            </a:pPr>
-            <a:r>
-              <a:rPr lang="nl-BE" sz="2800" dirty="0" err="1" smtClean="0">
-                <a:solidFill>
-                  <a:schemeClr val="accent3"/>
-                </a:solidFill>
-              </a:rPr>
-              <a:t>Highlights</a:t>
-            </a:r>
-            <a:r>
-              <a:rPr lang="nl-BE" sz="2800" dirty="0" smtClean="0">
-                <a:solidFill>
-                  <a:schemeClr val="accent3"/>
-                </a:solidFill>
-              </a:rPr>
-              <a:t> :</a:t>
-            </a:r>
-          </a:p>
-          <a:p>
-            <a:pPr lvl="1" eaLnBrk="1" hangingPunct="1">
-              <a:buFontTx/>
-              <a:buChar char="-"/>
-            </a:pPr>
-            <a:r>
-              <a:rPr lang="nl-BE" sz="2400" dirty="0" smtClean="0">
-                <a:solidFill>
-                  <a:schemeClr val="accent3"/>
-                </a:solidFill>
-              </a:rPr>
-              <a:t>2.4Ghz – 2.525Ghz : </a:t>
-            </a:r>
-            <a:r>
-              <a:rPr lang="nl-BE" sz="2400" dirty="0" err="1" smtClean="0">
-                <a:solidFill>
-                  <a:srgbClr val="FF0000"/>
-                </a:solidFill>
-              </a:rPr>
-              <a:t>stay</a:t>
-            </a:r>
-            <a:r>
-              <a:rPr lang="nl-BE" sz="2400" dirty="0" smtClean="0">
-                <a:solidFill>
-                  <a:srgbClr val="FF0000"/>
-                </a:solidFill>
-              </a:rPr>
-              <a:t> out Wifi band !</a:t>
-            </a:r>
-          </a:p>
-          <a:p>
-            <a:pPr lvl="1" eaLnBrk="1" hangingPunct="1">
-              <a:buFontTx/>
-              <a:buChar char="-"/>
-            </a:pPr>
-            <a:r>
-              <a:rPr lang="nl-BE" sz="2400" dirty="0" smtClean="0">
-                <a:solidFill>
-                  <a:srgbClr val="FF0000"/>
-                </a:solidFill>
-              </a:rPr>
-              <a:t>250 </a:t>
-            </a:r>
-            <a:r>
-              <a:rPr lang="nl-BE" sz="2400" dirty="0" err="1" smtClean="0">
-                <a:solidFill>
-                  <a:srgbClr val="FF0000"/>
-                </a:solidFill>
-              </a:rPr>
-              <a:t>kbps</a:t>
-            </a:r>
-            <a:r>
-              <a:rPr lang="nl-BE" sz="2400" dirty="0" smtClean="0">
-                <a:solidFill>
-                  <a:srgbClr val="FF0000"/>
-                </a:solidFill>
-              </a:rPr>
-              <a:t> </a:t>
-            </a:r>
-            <a:r>
-              <a:rPr lang="nl-BE" sz="2400" dirty="0" smtClean="0">
-                <a:solidFill>
-                  <a:schemeClr val="accent3"/>
-                </a:solidFill>
-              </a:rPr>
-              <a:t>(</a:t>
-            </a:r>
-            <a:r>
-              <a:rPr lang="nl-BE" sz="2400" dirty="0" err="1" smtClean="0">
-                <a:solidFill>
-                  <a:schemeClr val="accent3"/>
-                </a:solidFill>
-              </a:rPr>
-              <a:t>only</a:t>
-            </a:r>
-            <a:r>
-              <a:rPr lang="nl-BE" sz="2400" dirty="0" smtClean="0">
-                <a:solidFill>
-                  <a:schemeClr val="accent3"/>
-                </a:solidFill>
-              </a:rPr>
-              <a:t>+!), 1Mbps, 2Mbps</a:t>
-            </a:r>
-          </a:p>
-          <a:p>
-            <a:pPr lvl="1" eaLnBrk="1" hangingPunct="1">
-              <a:buFontTx/>
-              <a:buChar char="-"/>
-            </a:pPr>
-            <a:r>
-              <a:rPr lang="nl-BE" sz="2400" dirty="0" smtClean="0">
-                <a:solidFill>
-                  <a:schemeClr val="accent3"/>
-                </a:solidFill>
-              </a:rPr>
-              <a:t>Low power : 1.9 – 3.6v, I/Os 5V tolerant</a:t>
-            </a:r>
-          </a:p>
-          <a:p>
-            <a:pPr lvl="2" eaLnBrk="1" hangingPunct="1">
-              <a:buFontTx/>
-              <a:buChar char="-"/>
-            </a:pPr>
-            <a:r>
-              <a:rPr lang="nl-BE" sz="2000" dirty="0" err="1" smtClean="0">
-                <a:solidFill>
-                  <a:srgbClr val="FF0000"/>
-                </a:solidFill>
-              </a:rPr>
-              <a:t>Breakout</a:t>
-            </a:r>
-            <a:r>
-              <a:rPr lang="nl-BE" sz="2000" dirty="0" smtClean="0">
-                <a:solidFill>
-                  <a:srgbClr val="FF0000"/>
-                </a:solidFill>
-              </a:rPr>
-              <a:t>/</a:t>
-            </a:r>
-            <a:r>
-              <a:rPr lang="nl-BE" sz="2000" dirty="0" err="1" smtClean="0">
-                <a:solidFill>
-                  <a:srgbClr val="FF0000"/>
-                </a:solidFill>
-              </a:rPr>
-              <a:t>adaptor</a:t>
-            </a:r>
-            <a:r>
-              <a:rPr lang="nl-BE" sz="2000" dirty="0" smtClean="0">
-                <a:solidFill>
-                  <a:srgbClr val="FF0000"/>
-                </a:solidFill>
-              </a:rPr>
-              <a:t> :                                    3.3v - 12V</a:t>
-            </a:r>
-          </a:p>
-          <a:p>
-            <a:pPr marL="914400" lvl="2" indent="0" eaLnBrk="1" hangingPunct="1">
-              <a:buNone/>
-            </a:pPr>
-            <a:r>
-              <a:rPr lang="nl-BE" sz="2000" dirty="0">
-                <a:solidFill>
-                  <a:srgbClr val="FF0000"/>
-                </a:solidFill>
-              </a:rPr>
-              <a:t>	</a:t>
-            </a:r>
-            <a:r>
-              <a:rPr lang="nl-BE" sz="2000" dirty="0" smtClean="0">
-                <a:solidFill>
-                  <a:srgbClr val="FF0000"/>
-                </a:solidFill>
-              </a:rPr>
-              <a:t>		                              </a:t>
-            </a:r>
-            <a:r>
-              <a:rPr lang="nl-BE" sz="2000" dirty="0" err="1" smtClean="0">
-                <a:solidFill>
-                  <a:srgbClr val="FF0000"/>
-                </a:solidFill>
-              </a:rPr>
-              <a:t>Vcc</a:t>
-            </a:r>
-            <a:r>
-              <a:rPr lang="nl-BE" sz="2000" dirty="0" smtClean="0">
-                <a:solidFill>
-                  <a:srgbClr val="FF0000"/>
-                </a:solidFill>
-              </a:rPr>
-              <a:t> filter capacitor </a:t>
-            </a:r>
-            <a:endParaRPr lang="nl-BE" sz="2000" dirty="0">
-              <a:solidFill>
-                <a:srgbClr val="FF0000"/>
-              </a:solidFill>
-            </a:endParaRPr>
-          </a:p>
           <a:p>
             <a:pPr eaLnBrk="1" hangingPunct="1">
               <a:buFontTx/>
@@ -6178,49 +6127,32 @@
       </p:sp>
       <p:pic>
         <p:nvPicPr>
-          <p:cNvPr id="2050" name="Picture 2" descr="http://cdn3.volusion.com/rxsop.cexkq/v/vspfiles/photos/123-3.jpg"/>
+          <p:cNvPr id="5" name="Picture 4" descr="nanopdf.png"/>
           <p:cNvPicPr>
-            <a:picLocks noChangeAspect="1" noChangeArrowheads="1"/>
+            <a:picLocks noChangeAspect="1"/>
           </p:cNvPicPr>
           <p:nvPr/>
         </p:nvPicPr>
         <p:blipFill>
-          <a:blip r:embed="rId4" cstate="print">
-            <a:extLst>
-              <a:ext uri="{28A0092B-C50C-407E-A947-70E740481C1C}">
-                <a14:useLocalDpi xmlns:a14="http://schemas.microsoft.com/office/drawing/2010/main" val="0"/>
-              </a:ext>
-            </a:extLst>
-          </a:blip>
-          <a:srcRect/>
+          <a:blip r:embed="rId3" cstate="print"/>
           <a:stretch>
             <a:fillRect/>
           </a:stretch>
         </p:blipFill>
-        <p:spPr bwMode="auto">
+        <p:spPr>
           <a:xfrm>
-            <a:off x="3972694" y="3813609"/>
-            <a:ext cx="2183482" cy="2183482"/>
+            <a:off x="467544" y="836712"/>
+            <a:ext cx="8244408" cy="5831755"/>
           </a:xfrm>
           <a:prstGeom prst="rect">
             <a:avLst/>
           </a:prstGeom>
-          <a:noFill/>
-          <a:extLst>
-            <a:ext uri="{909E8E84-426E-40DD-AFC4-6F175D3DCCD1}">
-              <a14:hiddenFill xmlns:a14="http://schemas.microsoft.com/office/drawing/2010/main">
-                <a:solidFill>
-                  <a:srgbClr val="FFFFFF"/>
-                </a:solidFill>
-              </a14:hiddenFill>
-            </a:ext>
-          </a:extLst>
         </p:spPr>
       </p:pic>
     </p:spTree>
     <p:extLst>
       <p:ext uri="{BB962C8B-B14F-4D97-AF65-F5344CB8AC3E}">
-        <p14:creationId xmlns:p14="http://schemas.microsoft.com/office/powerpoint/2010/main" val="649988404"/>
+        <p14:creationId xmlns:p14="http://schemas.microsoft.com/office/powerpoint/2010/main" xmlns="" val="3357422178"/>
       </p:ext>
     </p:extLst>
   </p:cSld>
@@ -6271,12 +6203,20 @@
           <a:p>
             <a:pPr eaLnBrk="1" hangingPunct="1"/>
             <a:r>
+              <a:rPr lang="nl-BE" sz="4000" dirty="0" smtClean="0">
+                <a:solidFill>
+                  <a:schemeClr val="bg1"/>
+                </a:solidFill>
+              </a:rPr>
+              <a:t>“The Radio” : </a:t>
+            </a:r>
+            <a:r>
               <a:rPr lang="nl-BE" sz="4000" dirty="0" err="1" smtClean="0">
                 <a:solidFill>
                   <a:schemeClr val="bg1"/>
                 </a:solidFill>
               </a:rPr>
-              <a:t>Wiring</a:t>
+              <a:t>Nordic</a:t>
             </a:r>
             <a:r>
               <a:rPr lang="nl-BE" sz="4000" dirty="0" smtClean="0">
@@ -6284,24 +6224,315 @@
                   <a:schemeClr val="bg1"/>
                 </a:solidFill>
               </a:rPr>
-              <a:t>  (SPI interface)</a:t>
-            </a:r>
+              <a:t> NRF24L01+</a:t>
+            </a:r>
+          </a:p>
+        </p:txBody>
+      </p:sp>
+      <p:sp>
+        <p:nvSpPr>
+          <p:cNvPr id="5123" name="Content Placeholder 2"/>
+          <p:cNvSpPr>
+            <a:spLocks noGrp="1"/>
+          </p:cNvSpPr>
+          <p:nvPr>
+            <p:ph idx="1"/>
+          </p:nvPr>
+        </p:nvSpPr>
+        <p:spPr>
+          <a:xfrm>
+            <a:off x="539552" y="1412776"/>
+            <a:ext cx="8229600" cy="4525963"/>
+          </a:xfrm>
+        </p:spPr>
+        <p:txBody>
+          <a:bodyPr/>
+          <a:lstStyle/>
+          <a:p>
+            <a:pPr eaLnBrk="1" hangingPunct="1">
+              <a:buFontTx/>
+              <a:buChar char="-"/>
+            </a:pPr>
+            <a:r>
+              <a:rPr lang="nl-BE" sz="2800" dirty="0">
+                <a:solidFill>
+                  <a:schemeClr val="accent3"/>
+                </a:solidFill>
+              </a:rPr>
+              <a:t>Datasheet : </a:t>
+            </a:r>
+            <a:r>
+              <a:rPr lang="nl-BE" sz="1400" dirty="0">
+                <a:solidFill>
+                  <a:schemeClr val="accent3"/>
+                </a:solidFill>
+                <a:hlinkClick r:id="rId3"/>
+              </a:rPr>
+              <a:t>http://</a:t>
+            </a:r>
+            <a:r>
+              <a:rPr lang="nl-BE" sz="1400" dirty="0" smtClean="0">
+                <a:solidFill>
+                  <a:schemeClr val="accent3"/>
+                </a:solidFill>
+                <a:hlinkClick r:id="rId3"/>
+              </a:rPr>
+              <a:t>www.nordicsemi.com/eng/Products/2.4GHz-RF/nRF24L01P</a:t>
+            </a:r>
+            <a:endParaRPr lang="nl-BE" sz="1400" dirty="0" smtClean="0">
+              <a:solidFill>
+                <a:schemeClr val="accent3"/>
+              </a:solidFill>
+            </a:endParaRPr>
+          </a:p>
+          <a:p>
+            <a:pPr eaLnBrk="1" hangingPunct="1">
+              <a:buFontTx/>
+              <a:buChar char="-"/>
+            </a:pPr>
+            <a:r>
+              <a:rPr lang="nl-BE" sz="2800" dirty="0" err="1" smtClean="0">
+                <a:solidFill>
+                  <a:schemeClr val="accent3"/>
+                </a:solidFill>
+              </a:rPr>
+              <a:t>Highlights</a:t>
+            </a:r>
+            <a:r>
+              <a:rPr lang="nl-BE" sz="2800" dirty="0" smtClean="0">
+                <a:solidFill>
+                  <a:schemeClr val="accent3"/>
+                </a:solidFill>
+              </a:rPr>
+              <a:t> :</a:t>
+            </a:r>
+          </a:p>
+          <a:p>
+            <a:pPr lvl="1" eaLnBrk="1" hangingPunct="1">
+              <a:buFontTx/>
+              <a:buChar char="-"/>
+            </a:pPr>
+            <a:r>
+              <a:rPr lang="nl-BE" sz="2400" dirty="0" smtClean="0">
+                <a:solidFill>
+                  <a:schemeClr val="accent3"/>
+                </a:solidFill>
+              </a:rPr>
+              <a:t>2.4Ghz – 2.525Ghz : </a:t>
+            </a:r>
+            <a:r>
+              <a:rPr lang="nl-BE" sz="2400" dirty="0" err="1" smtClean="0">
+                <a:solidFill>
+                  <a:srgbClr val="FF0000"/>
+                </a:solidFill>
+              </a:rPr>
+              <a:t>stay</a:t>
+            </a:r>
+            <a:r>
+              <a:rPr lang="nl-BE" sz="2400" dirty="0" smtClean="0">
+                <a:solidFill>
+                  <a:srgbClr val="FF0000"/>
+                </a:solidFill>
+              </a:rPr>
+              <a:t> out Wifi band !</a:t>
+            </a:r>
+          </a:p>
+          <a:p>
+            <a:pPr lvl="1" eaLnBrk="1" hangingPunct="1">
+              <a:buFontTx/>
+              <a:buChar char="-"/>
+            </a:pPr>
+            <a:r>
+              <a:rPr lang="nl-BE" sz="2400" dirty="0" smtClean="0">
+                <a:solidFill>
+                  <a:srgbClr val="FF0000"/>
+                </a:solidFill>
+              </a:rPr>
+              <a:t>250 </a:t>
+            </a:r>
+            <a:r>
+              <a:rPr lang="nl-BE" sz="2400" dirty="0" err="1" smtClean="0">
+                <a:solidFill>
+                  <a:srgbClr val="FF0000"/>
+                </a:solidFill>
+              </a:rPr>
+              <a:t>kbps</a:t>
+            </a:r>
+            <a:r>
+              <a:rPr lang="nl-BE" sz="2400" dirty="0" smtClean="0">
+                <a:solidFill>
+                  <a:srgbClr val="FF0000"/>
+                </a:solidFill>
+              </a:rPr>
+              <a:t> </a:t>
+            </a:r>
+            <a:r>
+              <a:rPr lang="nl-BE" sz="2400" dirty="0" smtClean="0">
+                <a:solidFill>
+                  <a:schemeClr val="accent3"/>
+                </a:solidFill>
+              </a:rPr>
+              <a:t>(</a:t>
+            </a:r>
+            <a:r>
+              <a:rPr lang="nl-BE" sz="2400" dirty="0" err="1" smtClean="0">
+                <a:solidFill>
+                  <a:schemeClr val="accent3"/>
+                </a:solidFill>
+              </a:rPr>
+              <a:t>only</a:t>
+            </a:r>
+            <a:r>
+              <a:rPr lang="nl-BE" sz="2400" dirty="0" smtClean="0">
+                <a:solidFill>
+                  <a:schemeClr val="accent3"/>
+                </a:solidFill>
+              </a:rPr>
+              <a:t>+!), 1Mbps, 2Mbps</a:t>
+            </a:r>
+          </a:p>
+          <a:p>
+            <a:pPr lvl="1" eaLnBrk="1" hangingPunct="1">
+              <a:buFontTx/>
+              <a:buChar char="-"/>
+            </a:pPr>
+            <a:r>
+              <a:rPr lang="nl-BE" sz="2400" dirty="0" smtClean="0">
+                <a:solidFill>
+                  <a:schemeClr val="accent3"/>
+                </a:solidFill>
+              </a:rPr>
+              <a:t>Low power : 1.9 – 3.6v, I/Os 5V tolerant</a:t>
+            </a:r>
+          </a:p>
+          <a:p>
+            <a:pPr lvl="2" eaLnBrk="1" hangingPunct="1">
+              <a:buFontTx/>
+              <a:buChar char="-"/>
+            </a:pPr>
+            <a:r>
+              <a:rPr lang="nl-BE" sz="2000" dirty="0" err="1" smtClean="0">
+                <a:solidFill>
+                  <a:srgbClr val="FF0000"/>
+                </a:solidFill>
+              </a:rPr>
+              <a:t>Breakout</a:t>
+            </a:r>
+            <a:r>
+              <a:rPr lang="nl-BE" sz="2000" dirty="0" smtClean="0">
+                <a:solidFill>
+                  <a:srgbClr val="FF0000"/>
+                </a:solidFill>
+              </a:rPr>
+              <a:t>/</a:t>
+            </a:r>
+            <a:r>
+              <a:rPr lang="nl-BE" sz="2000" dirty="0" err="1" smtClean="0">
+                <a:solidFill>
+                  <a:srgbClr val="FF0000"/>
+                </a:solidFill>
+              </a:rPr>
+              <a:t>adaptor</a:t>
+            </a:r>
+            <a:r>
+              <a:rPr lang="nl-BE" sz="2000" dirty="0" smtClean="0">
+                <a:solidFill>
+                  <a:srgbClr val="FF0000"/>
+                </a:solidFill>
+              </a:rPr>
+              <a:t> :                                    3.3v - 12V</a:t>
+            </a:r>
+          </a:p>
+          <a:p>
+            <a:pPr marL="914400" lvl="2" indent="0" eaLnBrk="1" hangingPunct="1">
+              <a:buNone/>
+            </a:pPr>
+            <a:r>
+              <a:rPr lang="nl-BE" sz="2000" dirty="0">
+                <a:solidFill>
+                  <a:srgbClr val="FF0000"/>
+                </a:solidFill>
+              </a:rPr>
+              <a:t>	</a:t>
+            </a:r>
+            <a:r>
+              <a:rPr lang="nl-BE" sz="2000" dirty="0" smtClean="0">
+                <a:solidFill>
+                  <a:srgbClr val="FF0000"/>
+                </a:solidFill>
+              </a:rPr>
+              <a:t>		                              </a:t>
+            </a:r>
+            <a:r>
+              <a:rPr lang="nl-BE" sz="2000" dirty="0" err="1" smtClean="0">
+                <a:solidFill>
+                  <a:srgbClr val="FF0000"/>
+                </a:solidFill>
+              </a:rPr>
+              <a:t>Vcc</a:t>
+            </a:r>
+            <a:r>
+              <a:rPr lang="nl-BE" sz="2000" dirty="0" smtClean="0">
+                <a:solidFill>
+                  <a:srgbClr val="FF0000"/>
+                </a:solidFill>
+              </a:rPr>
+              <a:t> filter capacitor </a:t>
+            </a:r>
+            <a:endParaRPr lang="nl-BE" sz="2000" dirty="0">
+              <a:solidFill>
+                <a:srgbClr val="FF0000"/>
+              </a:solidFill>
+            </a:endParaRPr>
+          </a:p>
+          <a:p>
+            <a:pPr eaLnBrk="1" hangingPunct="1">
+              <a:buFontTx/>
+              <a:buChar char="-"/>
+            </a:pPr>
+            <a:endParaRPr lang="nl-BE" sz="2800" dirty="0" smtClean="0">
+              <a:solidFill>
+                <a:schemeClr val="accent3"/>
+              </a:solidFill>
+            </a:endParaRPr>
+          </a:p>
+          <a:p>
+            <a:pPr eaLnBrk="1" hangingPunct="1">
+              <a:buFontTx/>
+              <a:buChar char="-"/>
+            </a:pPr>
+            <a:endParaRPr lang="nl-BE" sz="2800" dirty="0" smtClean="0">
+              <a:solidFill>
+                <a:schemeClr val="accent3"/>
+              </a:solidFill>
+            </a:endParaRPr>
+          </a:p>
+          <a:p>
+            <a:pPr lvl="1" eaLnBrk="1" hangingPunct="1">
+              <a:buFontTx/>
+              <a:buChar char="-"/>
+            </a:pPr>
+            <a:endParaRPr lang="nl-BE" sz="2400" dirty="0" smtClean="0">
+              <a:solidFill>
+                <a:schemeClr val="accent3"/>
+              </a:solidFill>
+            </a:endParaRPr>
           </a:p>
         </p:txBody>
       </p:sp>
       <p:pic>
         <p:nvPicPr>
-          <p:cNvPr id="3074" name="Picture 2" descr="http://www.bashmodulo.com/wp-content/uploads/2014/05/NRF24L01-Receiver.jpg"/>
+          <p:cNvPr id="2050" name="Picture 2" descr="http://cdn3.volusion.com/rxsop.cexkq/v/vspfiles/photos/123-3.jpg"/>
           <p:cNvPicPr>
             <a:picLocks noChangeAspect="1" noChangeArrowheads="1"/>
           </p:cNvPicPr>
           <p:nvPr/>
         </p:nvPicPr>
         <p:blipFill>
-          <a:blip r:embed="rId3">
+          <a:blip r:embed="rId4" cstate="print">
             <a:extLst>
               <a:ext uri="{28A0092B-C50C-407E-A947-70E740481C1C}">
-                <a14:useLocalDpi xmlns:a14="http://schemas.microsoft.com/office/drawing/2010/main" val="0"/>
+                <a14:useLocalDpi xmlns:a14="http://schemas.microsoft.com/office/drawing/2010/main" xmlns="" val="0"/>
               </a:ext>
             </a:extLst>
           </a:blip>
@@ -6312,8 +6543,8 @@
         </p:blipFill>
         <p:spPr bwMode="auto">
           <a:xfrm>
-            <a:off x="179512" y="1268759"/>
-            <a:ext cx="6768752" cy="4509031"/>
+            <a:off x="3972694" y="3813609"/>
+            <a:ext cx="2183482" cy="2183482"/>
           </a:xfrm>
           <a:prstGeom prst="rect">
             <a:avLst/>
@@ -6321,48 +6552,7 @@
           <a:noFill/>
           <a:extLst>
             <a:ext uri="{909E8E84-426E-40DD-AFC4-6F175D3DCCD1}">
-              <a14:hiddenFill xmlns:a14="http://schemas.microsoft.com/office/drawing/2010/main">
-                <a:solidFill>
-                  <a:srgbClr val="FFFFFF"/>
-                </a:solidFill>
-              </a14:hiddenFill>
-            </a:ext>
-          </a:extLst>
-        </p:spPr>
-      </p:pic>
-      <p:pic>
-        <p:nvPicPr>
-          <p:cNvPr id="3076" name="Picture 4" descr="http://www.uctronics.com/media/catalog/product/cache/1/image/9df78eab33525d08d6e5fb8d27136e95/u/3/u3913_3_1.jpg"/>
-          <p:cNvPicPr>
-            <a:picLocks noChangeAspect="1" noChangeArrowheads="1"/>
-          </p:cNvPicPr>
-          <p:nvPr/>
-        </p:nvPicPr>
-        <p:blipFill>
-          <a:blip r:embed="rId4" cstate="print">
-            <a:extLst>
-              <a:ext uri="{28A0092B-C50C-407E-A947-70E740481C1C}">
-                <a14:useLocalDpi xmlns:a14="http://schemas.microsoft.com/office/drawing/2010/main" val="0"/>
-              </a:ext>
-            </a:extLst>
-          </a:blip>
-          <a:srcRect/>
-          <a:stretch>
-            <a:fillRect/>
-          </a:stretch>
-        </p:blipFill>
-        <p:spPr bwMode="auto">
-          <a:xfrm>
-            <a:off x="6012160" y="3789040"/>
-            <a:ext cx="2880320" cy="2880320"/>
-          </a:xfrm>
-          <a:prstGeom prst="rect">
-            <a:avLst/>
-          </a:prstGeom>
-          <a:noFill/>
-          <a:extLst>
-            <a:ext uri="{909E8E84-426E-40DD-AFC4-6F175D3DCCD1}">
-              <a14:hiddenFill xmlns:a14="http://schemas.microsoft.com/office/drawing/2010/main">
+              <a14:hiddenFill xmlns:a14="http://schemas.microsoft.com/office/drawing/2010/main" xmlns="">
                 <a:solidFill>
                   <a:srgbClr val="FFFFFF"/>
                 </a:solidFill>
@@ -6374,7 +6564,7 @@
     </p:spTree>
     <p:extLst>
       <p:ext uri="{BB962C8B-B14F-4D97-AF65-F5344CB8AC3E}">
-        <p14:creationId xmlns:p14="http://schemas.microsoft.com/office/powerpoint/2010/main" val="175275161"/>
+        <p14:creationId xmlns:p14="http://schemas.microsoft.com/office/powerpoint/2010/main" xmlns="" val="649988404"/>
       </p:ext>
     </p:extLst>
   </p:cSld>
@@ -6425,6 +6615,542 @@
           <a:p>
             <a:pPr eaLnBrk="1" hangingPunct="1"/>
             <a:r>
+              <a:rPr lang="nl-BE" sz="4000" dirty="0" err="1" smtClean="0">
+                <a:solidFill>
+                  <a:schemeClr val="bg1"/>
+                </a:solidFill>
+              </a:rPr>
+              <a:t>Wiring</a:t>
+            </a:r>
+            <a:r>
+              <a:rPr lang="nl-BE" sz="4000" dirty="0" smtClean="0">
+                <a:solidFill>
+                  <a:schemeClr val="bg1"/>
+                </a:solidFill>
+              </a:rPr>
+              <a:t> NRF to UNO  (SPI interface)</a:t>
+            </a:r>
+          </a:p>
+        </p:txBody>
+      </p:sp>
+      <p:pic>
+        <p:nvPicPr>
+          <p:cNvPr id="3074" name="Picture 2" descr="http://www.bashmodulo.com/wp-content/uploads/2014/05/NRF24L01-Receiver.jpg"/>
+          <p:cNvPicPr>
+            <a:picLocks noChangeAspect="1" noChangeArrowheads="1"/>
+          </p:cNvPicPr>
+          <p:nvPr/>
+        </p:nvPicPr>
+        <p:blipFill>
+          <a:blip r:embed="rId3" cstate="print">
+            <a:extLst>
+              <a:ext uri="{28A0092B-C50C-407E-A947-70E740481C1C}">
+                <a14:useLocalDpi xmlns:a14="http://schemas.microsoft.com/office/drawing/2010/main" xmlns="" val="0"/>
+              </a:ext>
+            </a:extLst>
+          </a:blip>
+          <a:srcRect/>
+          <a:stretch>
+            <a:fillRect/>
+          </a:stretch>
+        </p:blipFill>
+        <p:spPr bwMode="auto">
+          <a:xfrm>
+            <a:off x="179512" y="1268759"/>
+            <a:ext cx="6768752" cy="4509031"/>
+          </a:xfrm>
+          <a:prstGeom prst="rect">
+            <a:avLst/>
+          </a:prstGeom>
+          <a:noFill/>
+          <a:extLst>
+            <a:ext uri="{909E8E84-426E-40DD-AFC4-6F175D3DCCD1}">
+              <a14:hiddenFill xmlns:a14="http://schemas.microsoft.com/office/drawing/2010/main" xmlns="">
+                <a:solidFill>
+                  <a:srgbClr val="FFFFFF"/>
+                </a:solidFill>
+              </a14:hiddenFill>
+            </a:ext>
+          </a:extLst>
+        </p:spPr>
+      </p:pic>
+      <p:pic>
+        <p:nvPicPr>
+          <p:cNvPr id="3076" name="Picture 4" descr="http://www.uctronics.com/media/catalog/product/cache/1/image/9df78eab33525d08d6e5fb8d27136e95/u/3/u3913_3_1.jpg"/>
+          <p:cNvPicPr>
+            <a:picLocks noChangeAspect="1" noChangeArrowheads="1"/>
+          </p:cNvPicPr>
+          <p:nvPr/>
+        </p:nvPicPr>
+        <p:blipFill>
+          <a:blip r:embed="rId4" cstate="print">
+            <a:extLst>
+              <a:ext uri="{28A0092B-C50C-407E-A947-70E740481C1C}">
+                <a14:useLocalDpi xmlns:a14="http://schemas.microsoft.com/office/drawing/2010/main" xmlns="" val="0"/>
+              </a:ext>
+            </a:extLst>
+          </a:blip>
+          <a:srcRect/>
+          <a:stretch>
+            <a:fillRect/>
+          </a:stretch>
+        </p:blipFill>
+        <p:spPr bwMode="auto">
+          <a:xfrm>
+            <a:off x="6012160" y="3789040"/>
+            <a:ext cx="2880320" cy="2880320"/>
+          </a:xfrm>
+          <a:prstGeom prst="rect">
+            <a:avLst/>
+          </a:prstGeom>
+          <a:noFill/>
+          <a:extLst>
+            <a:ext uri="{909E8E84-426E-40DD-AFC4-6F175D3DCCD1}">
+              <a14:hiddenFill xmlns:a14="http://schemas.microsoft.com/office/drawing/2010/main" xmlns="">
+                <a:solidFill>
+                  <a:srgbClr val="FFFFFF"/>
+                </a:solidFill>
+              </a14:hiddenFill>
+            </a:ext>
+          </a:extLst>
+        </p:spPr>
+      </p:pic>
+    </p:spTree>
+    <p:extLst>
+      <p:ext uri="{BB962C8B-B14F-4D97-AF65-F5344CB8AC3E}">
+        <p14:creationId xmlns:p14="http://schemas.microsoft.com/office/powerpoint/2010/main" xmlns="" val="175275161"/>
+      </p:ext>
+    </p:extLst>
+  </p:cSld>
+  <p:clrMapOvr>
+    <a:masterClrMapping/>
+  </p:clrMapOvr>
+  <p:timing>
+    <p:tnLst>
+      <p:par>
+        <p:cTn id="1" dur="indefinite" restart="never" nodeType="tmRoot"/>
+      </p:par>
+    </p:tnLst>
+  </p:timing>
+</p:sld>
+</file>
+
+<file path=ppt/slides/slide15.xml><?xml version="1.0" encoding="utf-8"?>
+<p:sld xmlns:a="http://schemas.openxmlformats.org/drawingml/2006/main" xmlns:r="http://schemas.openxmlformats.org/officeDocument/2006/relationships" xmlns:p="http://schemas.openxmlformats.org/presentationml/2006/main">
+  <p:cSld>
+    <p:spTree>
+      <p:nvGrpSpPr>
+        <p:cNvPr id="1" name=""/>
+        <p:cNvGrpSpPr/>
+        <p:nvPr/>
+      </p:nvGrpSpPr>
+      <p:grpSpPr>
+        <a:xfrm>
+          <a:off x="0" y="0"/>
+          <a:ext cx="0" cy="0"/>
+          <a:chOff x="0" y="0"/>
+          <a:chExt cx="0" cy="0"/>
+        </a:xfrm>
+      </p:grpSpPr>
+      <p:sp>
+        <p:nvSpPr>
+          <p:cNvPr id="5122" name="Title 1"/>
+          <p:cNvSpPr>
+            <a:spLocks noGrp="1"/>
+          </p:cNvSpPr>
+          <p:nvPr>
+            <p:ph type="title"/>
+          </p:nvPr>
+        </p:nvSpPr>
+        <p:spPr/>
+        <p:txBody>
+          <a:bodyPr/>
+          <a:lstStyle/>
+          <a:p>
+            <a:pPr eaLnBrk="1" hangingPunct="1"/>
+            <a:r>
+              <a:rPr lang="nl-BE" sz="4000" dirty="0" err="1" smtClean="0">
+                <a:solidFill>
+                  <a:schemeClr val="bg1"/>
+                </a:solidFill>
+              </a:rPr>
+              <a:t>Wiring</a:t>
+            </a:r>
+            <a:r>
+              <a:rPr lang="nl-BE" sz="4000" dirty="0" smtClean="0">
+                <a:solidFill>
+                  <a:schemeClr val="bg1"/>
+                </a:solidFill>
+              </a:rPr>
+              <a:t> NRF </a:t>
+            </a:r>
+            <a:r>
+              <a:rPr lang="nl-BE" sz="4000" dirty="0" err="1" smtClean="0">
+                <a:solidFill>
+                  <a:schemeClr val="bg1"/>
+                </a:solidFill>
+              </a:rPr>
+              <a:t>with</a:t>
+            </a:r>
+            <a:r>
+              <a:rPr lang="nl-BE" sz="4000" dirty="0" smtClean="0">
+                <a:solidFill>
+                  <a:schemeClr val="bg1"/>
+                </a:solidFill>
+              </a:rPr>
+              <a:t> </a:t>
+            </a:r>
+            <a:r>
+              <a:rPr lang="nl-BE" sz="4000" dirty="0" err="1" smtClean="0">
+                <a:solidFill>
+                  <a:schemeClr val="bg1"/>
+                </a:solidFill>
+              </a:rPr>
+              <a:t>breakout</a:t>
+            </a:r>
+            <a:r>
+              <a:rPr lang="nl-BE" sz="4000" dirty="0" smtClean="0">
+                <a:solidFill>
+                  <a:schemeClr val="bg1"/>
+                </a:solidFill>
+              </a:rPr>
+              <a:t> board</a:t>
+            </a:r>
+          </a:p>
+        </p:txBody>
+      </p:sp>
+      <p:sp>
+        <p:nvSpPr>
+          <p:cNvPr id="5123" name="Content Placeholder 2"/>
+          <p:cNvSpPr>
+            <a:spLocks noGrp="1"/>
+          </p:cNvSpPr>
+          <p:nvPr>
+            <p:ph idx="1"/>
+          </p:nvPr>
+        </p:nvSpPr>
+        <p:spPr>
+          <a:xfrm>
+            <a:off x="539552" y="1412776"/>
+            <a:ext cx="8229600" cy="4525963"/>
+          </a:xfrm>
+        </p:spPr>
+        <p:txBody>
+          <a:bodyPr/>
+          <a:lstStyle/>
+          <a:p>
+            <a:pPr eaLnBrk="1" hangingPunct="1">
+              <a:buFontTx/>
+              <a:buChar char="-"/>
+              <a:tabLst>
+                <a:tab pos="2286000" algn="l"/>
+                <a:tab pos="5029200" algn="l"/>
+              </a:tabLst>
+            </a:pPr>
+            <a:r>
+              <a:rPr lang="nl-BE" sz="2800" b="1" dirty="0" err="1" smtClean="0">
+                <a:solidFill>
+                  <a:schemeClr val="accent3"/>
+                </a:solidFill>
+              </a:rPr>
+              <a:t>Breakout</a:t>
+            </a:r>
+            <a:r>
+              <a:rPr lang="nl-BE" sz="2800" b="1" dirty="0" smtClean="0">
+                <a:solidFill>
+                  <a:schemeClr val="accent3"/>
+                </a:solidFill>
+              </a:rPr>
+              <a:t>	</a:t>
+            </a:r>
+            <a:r>
+              <a:rPr lang="nl-BE" sz="2800" b="1" dirty="0" err="1" smtClean="0">
+                <a:solidFill>
+                  <a:schemeClr val="accent3"/>
+                </a:solidFill>
+              </a:rPr>
+              <a:t>Uno</a:t>
+            </a:r>
+            <a:r>
+              <a:rPr lang="nl-BE" sz="2800" b="1" dirty="0" smtClean="0">
+                <a:solidFill>
+                  <a:schemeClr val="accent3"/>
+                </a:solidFill>
+              </a:rPr>
+              <a:t>	Nano</a:t>
+            </a:r>
+          </a:p>
+          <a:p>
+            <a:pPr eaLnBrk="1" hangingPunct="1">
+              <a:buFontTx/>
+              <a:buChar char="-"/>
+              <a:tabLst>
+                <a:tab pos="2286000" algn="l"/>
+                <a:tab pos="5029200" algn="l"/>
+              </a:tabLst>
+            </a:pPr>
+            <a:r>
+              <a:rPr lang="nl-BE" sz="2400" dirty="0" err="1" smtClean="0">
+                <a:solidFill>
+                  <a:schemeClr val="accent3"/>
+                </a:solidFill>
+              </a:rPr>
+              <a:t>Vcc</a:t>
+            </a:r>
+            <a:r>
+              <a:rPr lang="nl-BE" sz="2400" dirty="0" smtClean="0">
+                <a:solidFill>
+                  <a:schemeClr val="accent3"/>
+                </a:solidFill>
+              </a:rPr>
+              <a:t>	5V	</a:t>
+            </a:r>
+            <a:r>
+              <a:rPr lang="nl-BE" sz="2400" dirty="0" err="1" smtClean="0">
+                <a:solidFill>
+                  <a:schemeClr val="accent3"/>
+                </a:solidFill>
+              </a:rPr>
+              <a:t>5V</a:t>
+            </a:r>
+            <a:endParaRPr lang="nl-BE" sz="2400" dirty="0" smtClean="0">
+              <a:solidFill>
+                <a:schemeClr val="accent3"/>
+              </a:solidFill>
+            </a:endParaRPr>
+          </a:p>
+          <a:p>
+            <a:pPr eaLnBrk="1" hangingPunct="1">
+              <a:buFontTx/>
+              <a:buChar char="-"/>
+              <a:tabLst>
+                <a:tab pos="2286000" algn="l"/>
+                <a:tab pos="5029200" algn="l"/>
+              </a:tabLst>
+            </a:pPr>
+            <a:r>
+              <a:rPr lang="nl-BE" sz="2400" dirty="0" err="1" smtClean="0">
+                <a:solidFill>
+                  <a:schemeClr val="accent3"/>
+                </a:solidFill>
+              </a:rPr>
+              <a:t>Gnd</a:t>
+            </a:r>
+            <a:r>
+              <a:rPr lang="nl-BE" sz="2400" dirty="0" smtClean="0">
+                <a:solidFill>
+                  <a:schemeClr val="accent3"/>
+                </a:solidFill>
+              </a:rPr>
+              <a:t>	</a:t>
+            </a:r>
+            <a:r>
+              <a:rPr lang="nl-BE" sz="2400" dirty="0" err="1" smtClean="0">
+                <a:solidFill>
+                  <a:schemeClr val="accent3"/>
+                </a:solidFill>
+              </a:rPr>
+              <a:t>Gnd</a:t>
+            </a:r>
+            <a:r>
+              <a:rPr lang="nl-BE" sz="2400" dirty="0" smtClean="0">
+                <a:solidFill>
+                  <a:schemeClr val="accent3"/>
+                </a:solidFill>
+              </a:rPr>
+              <a:t>	</a:t>
+            </a:r>
+            <a:r>
+              <a:rPr lang="nl-BE" sz="2400" dirty="0" err="1" smtClean="0">
+                <a:solidFill>
+                  <a:schemeClr val="accent3"/>
+                </a:solidFill>
+              </a:rPr>
+              <a:t>Gnd</a:t>
+            </a:r>
+            <a:endParaRPr lang="nl-BE" sz="2400" dirty="0" smtClean="0">
+              <a:solidFill>
+                <a:schemeClr val="accent3"/>
+              </a:solidFill>
+            </a:endParaRPr>
+          </a:p>
+          <a:p>
+            <a:pPr eaLnBrk="1" hangingPunct="1">
+              <a:buFontTx/>
+              <a:buChar char="-"/>
+              <a:tabLst>
+                <a:tab pos="2286000" algn="l"/>
+                <a:tab pos="5029200" algn="l"/>
+              </a:tabLst>
+            </a:pPr>
+            <a:r>
+              <a:rPr lang="nl-BE" sz="2400" dirty="0" smtClean="0">
+                <a:solidFill>
+                  <a:schemeClr val="accent3"/>
+                </a:solidFill>
+              </a:rPr>
+              <a:t>CE	9 (PB1)	9 (PB1)</a:t>
+            </a:r>
+          </a:p>
+          <a:p>
+            <a:pPr eaLnBrk="1" hangingPunct="1">
+              <a:buFontTx/>
+              <a:buChar char="-"/>
+              <a:tabLst>
+                <a:tab pos="2286000" algn="l"/>
+                <a:tab pos="5029200" algn="l"/>
+              </a:tabLst>
+            </a:pPr>
+            <a:r>
+              <a:rPr lang="nl-BE" sz="2400" dirty="0" smtClean="0">
+                <a:solidFill>
+                  <a:schemeClr val="accent3"/>
+                </a:solidFill>
+              </a:rPr>
+              <a:t>SCN	10 (PB2) SS	10 (PB2) SS</a:t>
+            </a:r>
+          </a:p>
+          <a:p>
+            <a:pPr eaLnBrk="1" hangingPunct="1">
+              <a:buFontTx/>
+              <a:buChar char="-"/>
+              <a:tabLst>
+                <a:tab pos="2286000" algn="l"/>
+                <a:tab pos="5029200" algn="l"/>
+              </a:tabLst>
+            </a:pPr>
+            <a:r>
+              <a:rPr lang="nl-BE" sz="2400" dirty="0" smtClean="0">
+                <a:solidFill>
+                  <a:schemeClr val="accent3"/>
+                </a:solidFill>
+              </a:rPr>
+              <a:t>SCK	13 (PB5) SCK	13 (PB5) SCK</a:t>
+            </a:r>
+          </a:p>
+          <a:p>
+            <a:pPr eaLnBrk="1" hangingPunct="1">
+              <a:buFontTx/>
+              <a:buChar char="-"/>
+              <a:tabLst>
+                <a:tab pos="2286000" algn="l"/>
+                <a:tab pos="5029200" algn="l"/>
+              </a:tabLst>
+            </a:pPr>
+            <a:r>
+              <a:rPr lang="nl-BE" sz="2400" dirty="0" smtClean="0">
+                <a:solidFill>
+                  <a:schemeClr val="accent3"/>
+                </a:solidFill>
+              </a:rPr>
+              <a:t>MO	11 (PB3) MOSI	11 (PB3) MOSI</a:t>
+            </a:r>
+          </a:p>
+          <a:p>
+            <a:pPr eaLnBrk="1" hangingPunct="1">
+              <a:buFontTx/>
+              <a:buChar char="-"/>
+              <a:tabLst>
+                <a:tab pos="2286000" algn="l"/>
+                <a:tab pos="5029200" algn="l"/>
+              </a:tabLst>
+            </a:pPr>
+            <a:r>
+              <a:rPr lang="nl-BE" sz="2400" dirty="0" smtClean="0">
+                <a:solidFill>
+                  <a:schemeClr val="accent3"/>
+                </a:solidFill>
+              </a:rPr>
+              <a:t>MI	12 (PB4) MISO</a:t>
+            </a:r>
+            <a:r>
+              <a:rPr lang="nl-BE" sz="2400" smtClean="0">
+                <a:solidFill>
+                  <a:schemeClr val="accent3"/>
+                </a:solidFill>
+              </a:rPr>
+              <a:t>	12 </a:t>
+            </a:r>
+            <a:r>
+              <a:rPr lang="nl-BE" sz="2400" dirty="0" smtClean="0">
+                <a:solidFill>
+                  <a:schemeClr val="accent3"/>
+                </a:solidFill>
+              </a:rPr>
+              <a:t>(PB4) MISO</a:t>
+            </a:r>
+          </a:p>
+          <a:p>
+            <a:pPr eaLnBrk="1" hangingPunct="1">
+              <a:buFontTx/>
+              <a:buChar char="-"/>
+              <a:tabLst>
+                <a:tab pos="2286000" algn="l"/>
+                <a:tab pos="4572000" algn="l"/>
+              </a:tabLst>
+            </a:pPr>
+            <a:endParaRPr lang="nl-BE" sz="2400" dirty="0" smtClean="0">
+              <a:solidFill>
+                <a:schemeClr val="accent3"/>
+              </a:solidFill>
+            </a:endParaRPr>
+          </a:p>
+        </p:txBody>
+      </p:sp>
+    </p:spTree>
+    <p:extLst>
+      <p:ext uri="{BB962C8B-B14F-4D97-AF65-F5344CB8AC3E}">
+        <p14:creationId xmlns:p14="http://schemas.microsoft.com/office/powerpoint/2010/main" xmlns="" val="298477436"/>
+      </p:ext>
+    </p:extLst>
+  </p:cSld>
+  <p:clrMapOvr>
+    <a:masterClrMapping/>
+  </p:clrMapOvr>
+  <p:timing>
+    <p:tnLst>
+      <p:par>
+        <p:cTn id="1" dur="indefinite" restart="never" nodeType="tmRoot"/>
+      </p:par>
+    </p:tnLst>
+  </p:timing>
+</p:sld>
+</file>
+
+<file path=ppt/slides/slide16.xml><?xml version="1.0" encoding="utf-8"?>
+<p:sld xmlns:a="http://schemas.openxmlformats.org/drawingml/2006/main" xmlns:r="http://schemas.openxmlformats.org/officeDocument/2006/relationships" xmlns:p="http://schemas.openxmlformats.org/presentationml/2006/main">
+  <p:cSld>
+    <p:spTree>
+      <p:nvGrpSpPr>
+        <p:cNvPr id="1" name=""/>
+        <p:cNvGrpSpPr/>
+        <p:nvPr/>
+      </p:nvGrpSpPr>
+      <p:grpSpPr>
+        <a:xfrm>
+          <a:off x="0" y="0"/>
+          <a:ext cx="0" cy="0"/>
+          <a:chOff x="0" y="0"/>
+          <a:chExt cx="0" cy="0"/>
+        </a:xfrm>
+      </p:grpSpPr>
+      <p:sp>
+        <p:nvSpPr>
+          <p:cNvPr id="5122" name="Title 1"/>
+          <p:cNvSpPr>
+            <a:spLocks noGrp="1"/>
+          </p:cNvSpPr>
+          <p:nvPr>
+            <p:ph type="title"/>
+          </p:nvPr>
+        </p:nvSpPr>
+        <p:spPr/>
+        <p:txBody>
+          <a:bodyPr/>
+          <a:lstStyle/>
+          <a:p>
+            <a:pPr eaLnBrk="1" hangingPunct="1"/>
+            <a:r>
               <a:rPr lang="nl-BE" sz="4000" dirty="0" smtClean="0">
                 <a:solidFill>
                   <a:schemeClr val="bg1"/>
@@ -6640,11 +7366,6 @@
               </a:rPr>
               <a:t> &amp; go</a:t>
             </a:r>
-            <a:endParaRPr lang="nl-BE" sz="2000" dirty="0" smtClean="0">
-              <a:solidFill>
-                <a:schemeClr val="accent3"/>
-              </a:solidFill>
-            </a:endParaRPr>
           </a:p>
           <a:p>
             <a:pPr lvl="1" eaLnBrk="1" hangingPunct="1">
@@ -6695,7 +7416,7 @@
     </p:spTree>
     <p:extLst>
       <p:ext uri="{BB962C8B-B14F-4D97-AF65-F5344CB8AC3E}">
-        <p14:creationId xmlns:p14="http://schemas.microsoft.com/office/powerpoint/2010/main" val="298477436"/>
+        <p14:creationId xmlns:p14="http://schemas.microsoft.com/office/powerpoint/2010/main" xmlns="" val="298477436"/>
       </p:ext>
     </p:extLst>
   </p:cSld>
@@ -6992,7 +7713,7 @@
     </p:spTree>
     <p:extLst>
       <p:ext uri="{BB962C8B-B14F-4D97-AF65-F5344CB8AC3E}">
-        <p14:creationId xmlns:p14="http://schemas.microsoft.com/office/powerpoint/2010/main" val="1949858995"/>
+        <p14:creationId xmlns:p14="http://schemas.microsoft.com/office/powerpoint/2010/main" xmlns="" val="1949858995"/>
       </p:ext>
     </p:extLst>
   </p:cSld>
@@ -7211,7 +7932,7 @@
     </p:spTree>
     <p:extLst>
       <p:ext uri="{BB962C8B-B14F-4D97-AF65-F5344CB8AC3E}">
-        <p14:creationId xmlns:p14="http://schemas.microsoft.com/office/powerpoint/2010/main" val="1012388908"/>
+        <p14:creationId xmlns:p14="http://schemas.microsoft.com/office/powerpoint/2010/main" xmlns="" val="1012388908"/>
       </p:ext>
     </p:extLst>
   </p:cSld>
@@ -7311,7 +8032,7 @@
           <a:blip r:embed="rId3" cstate="print">
             <a:extLst>
               <a:ext uri="{28A0092B-C50C-407E-A947-70E740481C1C}">
-                <a14:useLocalDpi xmlns:a14="http://schemas.microsoft.com/office/drawing/2010/main" val="0"/>
+                <a14:useLocalDpi xmlns:a14="http://schemas.microsoft.com/office/drawing/2010/main" xmlns="" val="0"/>
               </a:ext>
             </a:extLst>
           </a:blip>
@@ -7331,7 +8052,7 @@
           <a:noFill/>
           <a:extLst>
             <a:ext uri="{909E8E84-426E-40DD-AFC4-6F175D3DCCD1}">
-              <a14:hiddenFill xmlns:a14="http://schemas.microsoft.com/office/drawing/2010/main">
+              <a14:hiddenFill xmlns:a14="http://schemas.microsoft.com/office/drawing/2010/main" xmlns="">
                 <a:solidFill>
                   <a:srgbClr val="FFFFFF"/>
                 </a:solidFill>
@@ -7553,7 +8274,7 @@
           <a:noFill/>
           <a:extLst>
             <a:ext uri="{909E8E84-426E-40DD-AFC4-6F175D3DCCD1}">
-              <a14:hiddenFill xmlns:a14="http://schemas.microsoft.com/office/drawing/2010/main">
+              <a14:hiddenFill xmlns:a14="http://schemas.microsoft.com/office/drawing/2010/main" xmlns="">
                 <a:solidFill>
                   <a:srgbClr val="FFFFFF"/>
                 </a:solidFill>
@@ -7592,7 +8313,7 @@
           <a:noFill/>
           <a:extLst>
             <a:ext uri="{909E8E84-426E-40DD-AFC4-6F175D3DCCD1}">
-              <a14:hiddenFill xmlns:a14="http://schemas.microsoft.com/office/drawing/2010/main">
+              <a14:hiddenFill xmlns:a14="http://schemas.microsoft.com/office/drawing/2010/main" xmlns="">
                 <a:solidFill>
                   <a:srgbClr val="FFFFFF"/>
                 </a:solidFill>
@@ -7624,7 +8345,7 @@
           <a:blip r:embed="rId4" cstate="print">
             <a:extLst>
               <a:ext uri="{28A0092B-C50C-407E-A947-70E740481C1C}">
-                <a14:useLocalDpi xmlns:a14="http://schemas.microsoft.com/office/drawing/2010/main" val="0"/>
+                <a14:useLocalDpi xmlns:a14="http://schemas.microsoft.com/office/drawing/2010/main" xmlns="" val="0"/>
               </a:ext>
             </a:extLst>
           </a:blip>
@@ -7644,7 +8365,7 @@
           <a:noFill/>
           <a:extLst>
             <a:ext uri="{909E8E84-426E-40DD-AFC4-6F175D3DCCD1}">
-              <a14:hiddenFill xmlns:a14="http://schemas.microsoft.com/office/drawing/2010/main">
+              <a14:hiddenFill xmlns:a14="http://schemas.microsoft.com/office/drawing/2010/main" xmlns="">
                 <a:solidFill>
                   <a:srgbClr val="FFFFFF"/>
                 </a:solidFill>
@@ -7700,10 +8421,10 @@
           <p:nvPr/>
         </p:nvPicPr>
         <p:blipFill>
-          <a:blip r:embed="rId5">
+          <a:blip r:embed="rId5" cstate="print">
             <a:extLst>
               <a:ext uri="{28A0092B-C50C-407E-A947-70E740481C1C}">
-                <a14:useLocalDpi xmlns:a14="http://schemas.microsoft.com/office/drawing/2010/main" val="0"/>
+                <a14:useLocalDpi xmlns:a14="http://schemas.microsoft.com/office/drawing/2010/main" xmlns="" val="0"/>
               </a:ext>
             </a:extLst>
           </a:blip>
@@ -7726,14 +8447,14 @@
           </a:ln>
           <a:extLst>
             <a:ext uri="{909E8E84-426E-40DD-AFC4-6F175D3DCCD1}">
-              <a14:hiddenFill xmlns:a14="http://schemas.microsoft.com/office/drawing/2010/main">
+              <a14:hiddenFill xmlns:a14="http://schemas.microsoft.com/office/drawing/2010/main" xmlns="">
                 <a:solidFill>
                   <a:schemeClr val="accent1"/>
                 </a:solidFill>
               </a14:hiddenFill>
             </a:ext>
             <a:ext uri="{91240B29-F687-4F45-9708-019B960494DF}">
-              <a14:hiddenLine xmlns:a14="http://schemas.microsoft.com/office/drawing/2010/main" w="9525">
+              <a14:hiddenLine xmlns:a14="http://schemas.microsoft.com/office/drawing/2010/main" xmlns="" w="9525">
                 <a:solidFill>
                   <a:schemeClr val="tx1"/>
                 </a:solidFill>
@@ -7754,10 +8475,10 @@
           <p:nvPr/>
         </p:nvPicPr>
         <p:blipFill>
-          <a:blip r:embed="rId6">
+          <a:blip r:embed="rId6" cstate="print">
             <a:extLst>
               <a:ext uri="{28A0092B-C50C-407E-A947-70E740481C1C}">
-                <a14:useLocalDpi xmlns:a14="http://schemas.microsoft.com/office/drawing/2010/main" val="0"/>
+                <a14:useLocalDpi xmlns:a14="http://schemas.microsoft.com/office/drawing/2010/main" xmlns="" val="0"/>
               </a:ext>
             </a:extLst>
           </a:blip>
@@ -7780,14 +8501,14 @@
           </a:ln>
           <a:extLst>
             <a:ext uri="{909E8E84-426E-40DD-AFC4-6F175D3DCCD1}">
-              <a14:hiddenFill xmlns:a14="http://schemas.microsoft.com/office/drawing/2010/main">
+              <a14:hiddenFill xmlns:a14="http://schemas.microsoft.com/office/drawing/2010/main" xmlns="">
                 <a:solidFill>
                   <a:schemeClr val="accent1"/>
                 </a:solidFill>
               </a14:hiddenFill>
             </a:ext>
             <a:ext uri="{91240B29-F687-4F45-9708-019B960494DF}">
-              <a14:hiddenLine xmlns:a14="http://schemas.microsoft.com/office/drawing/2010/main" w="9525">
+              <a14:hiddenLine xmlns:a14="http://schemas.microsoft.com/office/drawing/2010/main" xmlns="" w="9525">
                 <a:solidFill>
                   <a:schemeClr val="tx1"/>
                 </a:solidFill>
@@ -7841,7 +8562,7 @@
           <a:blip r:embed="rId7" cstate="print">
             <a:extLst>
               <a:ext uri="{28A0092B-C50C-407E-A947-70E740481C1C}">
-                <a14:useLocalDpi xmlns:a14="http://schemas.microsoft.com/office/drawing/2010/main" val="0"/>
+                <a14:useLocalDpi xmlns:a14="http://schemas.microsoft.com/office/drawing/2010/main" xmlns="" val="0"/>
               </a:ext>
             </a:extLst>
           </a:blip>
@@ -7864,14 +8585,14 @@
           </a:ln>
           <a:extLst>
             <a:ext uri="{909E8E84-426E-40DD-AFC4-6F175D3DCCD1}">
-              <a14:hiddenFill xmlns:a14="http://schemas.microsoft.com/office/drawing/2010/main">
+              <a14:hiddenFill xmlns:a14="http://schemas.microsoft.com/office/drawing/2010/main" xmlns="">
                 <a:solidFill>
                   <a:schemeClr val="accent1"/>
                 </a:solidFill>
               </a14:hiddenFill>
             </a:ext>
             <a:ext uri="{91240B29-F687-4F45-9708-019B960494DF}">
-              <a14:hiddenLine xmlns:a14="http://schemas.microsoft.com/office/drawing/2010/main" w="9525">
+              <a14:hiddenLine xmlns:a14="http://schemas.microsoft.com/office/drawing/2010/main" xmlns="" w="9525">
                 <a:solidFill>
                   <a:schemeClr val="tx1"/>
                 </a:solidFill>
@@ -8261,10 +8982,10 @@
           <p:nvPr/>
         </p:nvPicPr>
         <p:blipFill>
-          <a:blip r:embed="rId8">
+          <a:blip r:embed="rId8" cstate="print">
             <a:extLst>
               <a:ext uri="{28A0092B-C50C-407E-A947-70E740481C1C}">
-                <a14:useLocalDpi xmlns:a14="http://schemas.microsoft.com/office/drawing/2010/main" val="0"/>
+                <a14:useLocalDpi xmlns:a14="http://schemas.microsoft.com/office/drawing/2010/main" xmlns="" val="0"/>
               </a:ext>
             </a:extLst>
           </a:blip>
@@ -8287,14 +9008,14 @@
           </a:ln>
           <a:extLst>
             <a:ext uri="{909E8E84-426E-40DD-AFC4-6F175D3DCCD1}">
-              <a14:hiddenFill xmlns:a14="http://schemas.microsoft.com/office/drawing/2010/main">
+              <a14:hiddenFill xmlns:a14="http://schemas.microsoft.com/office/drawing/2010/main" xmlns="">
                 <a:solidFill>
                   <a:schemeClr val="accent1"/>
                 </a:solidFill>
               </a14:hiddenFill>
             </a:ext>
             <a:ext uri="{91240B29-F687-4F45-9708-019B960494DF}">
-              <a14:hiddenLine xmlns:a14="http://schemas.microsoft.com/office/drawing/2010/main" w="9525">
+              <a14:hiddenLine xmlns:a14="http://schemas.microsoft.com/office/drawing/2010/main" xmlns="" w="9525">
                 <a:solidFill>
                   <a:schemeClr val="tx1"/>
                 </a:solidFill>
@@ -8318,7 +9039,7 @@
           <a:blip r:embed="rId9" cstate="print">
             <a:extLst>
               <a:ext uri="{28A0092B-C50C-407E-A947-70E740481C1C}">
-                <a14:useLocalDpi xmlns:a14="http://schemas.microsoft.com/office/drawing/2010/main" val="0"/>
+                <a14:useLocalDpi xmlns:a14="http://schemas.microsoft.com/office/drawing/2010/main" xmlns="" val="0"/>
               </a:ext>
             </a:extLst>
           </a:blip>
@@ -8341,14 +9062,14 @@
           </a:ln>
           <a:extLst>
             <a:ext uri="{909E8E84-426E-40DD-AFC4-6F175D3DCCD1}">
-              <a14:hiddenFill xmlns:a14="http://schemas.microsoft.com/office/drawing/2010/main">
+              <a14:hiddenFill xmlns:a14="http://schemas.microsoft.com/office/drawing/2010/main" xmlns="">
                 <a:solidFill>
                   <a:schemeClr val="accent1"/>
                 </a:solidFill>
               </a14:hiddenFill>
             </a:ext>
             <a:ext uri="{91240B29-F687-4F45-9708-019B960494DF}">
-              <a14:hiddenLine xmlns:a14="http://schemas.microsoft.com/office/drawing/2010/main" w="9525">
+              <a14:hiddenLine xmlns:a14="http://schemas.microsoft.com/office/drawing/2010/main" xmlns="" w="9525">
                 <a:solidFill>
                   <a:schemeClr val="tx1"/>
                 </a:solidFill>
@@ -9508,7 +10229,7 @@
           <a:blip r:embed="rId11" cstate="print">
             <a:extLst>
               <a:ext uri="{28A0092B-C50C-407E-A947-70E740481C1C}">
-                <a14:useLocalDpi xmlns:a14="http://schemas.microsoft.com/office/drawing/2010/main" val="0"/>
+                <a14:useLocalDpi xmlns:a14="http://schemas.microsoft.com/office/drawing/2010/main" xmlns="" val="0"/>
               </a:ext>
             </a:extLst>
           </a:blip>
@@ -9528,7 +10249,7 @@
           <a:noFill/>
           <a:extLst>
             <a:ext uri="{909E8E84-426E-40DD-AFC4-6F175D3DCCD1}">
-              <a14:hiddenFill xmlns:a14="http://schemas.microsoft.com/office/drawing/2010/main">
+              <a14:hiddenFill xmlns:a14="http://schemas.microsoft.com/office/drawing/2010/main" xmlns="">
                 <a:solidFill>
                   <a:srgbClr val="FFFFFF"/>
                 </a:solidFill>
@@ -9549,7 +10270,7 @@
           <a:blip r:embed="rId11" cstate="print">
             <a:extLst>
               <a:ext uri="{28A0092B-C50C-407E-A947-70E740481C1C}">
-                <a14:useLocalDpi xmlns:a14="http://schemas.microsoft.com/office/drawing/2010/main" val="0"/>
+                <a14:useLocalDpi xmlns:a14="http://schemas.microsoft.com/office/drawing/2010/main" xmlns="" val="0"/>
               </a:ext>
             </a:extLst>
           </a:blip>
@@ -9569,7 +10290,7 @@
           <a:noFill/>
           <a:extLst>
             <a:ext uri="{909E8E84-426E-40DD-AFC4-6F175D3DCCD1}">
-              <a14:hiddenFill xmlns:a14="http://schemas.microsoft.com/office/drawing/2010/main">
+              <a14:hiddenFill xmlns:a14="http://schemas.microsoft.com/office/drawing/2010/main" xmlns="">
                 <a:solidFill>
                   <a:srgbClr val="FFFFFF"/>
                 </a:solidFill>
@@ -9590,7 +10311,7 @@
           <a:blip r:embed="rId11" cstate="print">
             <a:extLst>
               <a:ext uri="{28A0092B-C50C-407E-A947-70E740481C1C}">
-                <a14:useLocalDpi xmlns:a14="http://schemas.microsoft.com/office/drawing/2010/main" val="0"/>
+                <a14:useLocalDpi xmlns:a14="http://schemas.microsoft.com/office/drawing/2010/main" xmlns="" val="0"/>
               </a:ext>
             </a:extLst>
           </a:blip>
@@ -9610,7 +10331,7 @@
           <a:noFill/>
           <a:extLst>
             <a:ext uri="{909E8E84-426E-40DD-AFC4-6F175D3DCCD1}">
-              <a14:hiddenFill xmlns:a14="http://schemas.microsoft.com/office/drawing/2010/main">
+              <a14:hiddenFill xmlns:a14="http://schemas.microsoft.com/office/drawing/2010/main" xmlns="">
                 <a:solidFill>
                   <a:srgbClr val="FFFFFF"/>
                 </a:solidFill>
@@ -9739,7 +10460,7 @@
     </p:spTree>
     <p:extLst>
       <p:ext uri="{BB962C8B-B14F-4D97-AF65-F5344CB8AC3E}">
-        <p14:creationId xmlns:p14="http://schemas.microsoft.com/office/powerpoint/2010/main" val="401786975"/>
+        <p14:creationId xmlns:p14="http://schemas.microsoft.com/office/powerpoint/2010/main" xmlns="" val="401786975"/>
       </p:ext>
     </p:extLst>
   </p:cSld>
@@ -10045,7 +10766,7 @@
     </p:spTree>
     <p:extLst>
       <p:ext uri="{BB962C8B-B14F-4D97-AF65-F5344CB8AC3E}">
-        <p14:creationId xmlns:p14="http://schemas.microsoft.com/office/powerpoint/2010/main" val="460190410"/>
+        <p14:creationId xmlns:p14="http://schemas.microsoft.com/office/powerpoint/2010/main" xmlns="" val="460190410"/>
       </p:ext>
     </p:extLst>
   </p:cSld>
@@ -10385,7 +11106,7 @@
     </p:spTree>
     <p:extLst>
       <p:ext uri="{BB962C8B-B14F-4D97-AF65-F5344CB8AC3E}">
-        <p14:creationId xmlns:p14="http://schemas.microsoft.com/office/powerpoint/2010/main" val="4082097249"/>
+        <p14:creationId xmlns:p14="http://schemas.microsoft.com/office/powerpoint/2010/main" xmlns="" val="4082097249"/>
       </p:ext>
     </p:extLst>
   </p:cSld>
@@ -10780,10 +11501,10 @@
           <p:nvPr/>
         </p:nvPicPr>
         <p:blipFill>
-          <a:blip r:embed="rId6">
+          <a:blip r:embed="rId6" cstate="print">
             <a:extLst>
               <a:ext uri="{28A0092B-C50C-407E-A947-70E740481C1C}">
-                <a14:useLocalDpi xmlns:a14="http://schemas.microsoft.com/office/drawing/2010/main" val="0"/>
+                <a14:useLocalDpi xmlns:a14="http://schemas.microsoft.com/office/drawing/2010/main" xmlns="" val="0"/>
               </a:ext>
             </a:extLst>
           </a:blip>
@@ -10806,14 +11527,14 @@
           </a:ln>
           <a:extLst>
             <a:ext uri="{909E8E84-426E-40DD-AFC4-6F175D3DCCD1}">
-              <a14:hiddenFill xmlns:a14="http://schemas.microsoft.com/office/drawing/2010/main">
+              <a14:hiddenFill xmlns:a14="http://schemas.microsoft.com/office/drawing/2010/main" xmlns="">
                 <a:solidFill>
                   <a:schemeClr val="accent1"/>
                 </a:solidFill>
               </a14:hiddenFill>
             </a:ext>
             <a:ext uri="{91240B29-F687-4F45-9708-019B960494DF}">
-              <a14:hiddenLine xmlns:a14="http://schemas.microsoft.com/office/drawing/2010/main" w="9525">
+              <a14:hiddenLine xmlns:a14="http://schemas.microsoft.com/office/drawing/2010/main" xmlns="" w="9525">
                 <a:solidFill>
                   <a:schemeClr val="tx1"/>
                 </a:solidFill>
@@ -10867,10 +11588,10 @@
           <p:nvPr/>
         </p:nvPicPr>
         <p:blipFill>
-          <a:blip r:embed="rId7">
+          <a:blip r:embed="rId7" cstate="print">
             <a:extLst>
               <a:ext uri="{28A0092B-C50C-407E-A947-70E740481C1C}">
-                <a14:useLocalDpi xmlns:a14="http://schemas.microsoft.com/office/drawing/2010/main" val="0"/>
+                <a14:useLocalDpi xmlns:a14="http://schemas.microsoft.com/office/drawing/2010/main" xmlns="" val="0"/>
               </a:ext>
             </a:extLst>
           </a:blip>
@@ -10893,14 +11614,14 @@
           </a:ln>
           <a:extLst>
             <a:ext uri="{909E8E84-426E-40DD-AFC4-6F175D3DCCD1}">
-              <a14:hiddenFill xmlns:a14="http://schemas.microsoft.com/office/drawing/2010/main">
+              <a14:hiddenFill xmlns:a14="http://schemas.microsoft.com/office/drawing/2010/main" xmlns="">
                 <a:solidFill>
                   <a:schemeClr val="accent1"/>
                 </a:solidFill>
               </a14:hiddenFill>
             </a:ext>
             <a:ext uri="{91240B29-F687-4F45-9708-019B960494DF}">
-              <a14:hiddenLine xmlns:a14="http://schemas.microsoft.com/office/drawing/2010/main" w="9525">
+              <a14:hiddenLine xmlns:a14="http://schemas.microsoft.com/office/drawing/2010/main" xmlns="" w="9525">
                 <a:solidFill>
                   <a:schemeClr val="tx1"/>
                 </a:solidFill>
@@ -10961,7 +11682,7 @@
     </p:spTree>
     <p:extLst>
       <p:ext uri="{BB962C8B-B14F-4D97-AF65-F5344CB8AC3E}">
-        <p14:creationId xmlns:p14="http://schemas.microsoft.com/office/powerpoint/2010/main" val="2834899593"/>
+        <p14:creationId xmlns:p14="http://schemas.microsoft.com/office/powerpoint/2010/main" xmlns="" val="2834899593"/>
       </p:ext>
     </p:extLst>
   </p:cSld>
@@ -11103,7 +11824,7 @@
     </p:spTree>
     <p:extLst>
       <p:ext uri="{BB962C8B-B14F-4D97-AF65-F5344CB8AC3E}">
-        <p14:creationId xmlns:p14="http://schemas.microsoft.com/office/powerpoint/2010/main" val="2882180707"/>
+        <p14:creationId xmlns:p14="http://schemas.microsoft.com/office/powerpoint/2010/main" xmlns="" val="2882180707"/>
       </p:ext>
     </p:extLst>
   </p:cSld>
@@ -11372,7 +12093,7 @@
           <a:blip r:embed="rId4" cstate="print">
             <a:extLst>
               <a:ext uri="{28A0092B-C50C-407E-A947-70E740481C1C}">
-                <a14:useLocalDpi xmlns:a14="http://schemas.microsoft.com/office/drawing/2010/main" val="0"/>
+                <a14:useLocalDpi xmlns:a14="http://schemas.microsoft.com/office/drawing/2010/main" xmlns="" val="0"/>
               </a:ext>
             </a:extLst>
           </a:blip>
@@ -11395,14 +12116,14 @@
           </a:ln>
           <a:extLst>
             <a:ext uri="{909E8E84-426E-40DD-AFC4-6F175D3DCCD1}">
-              <a14:hiddenFill xmlns:a14="http://schemas.microsoft.com/office/drawing/2010/main">
+              <a14:hiddenFill xmlns:a14="http://schemas.microsoft.com/office/drawing/2010/main" xmlns="">
                 <a:solidFill>
                   <a:schemeClr val="accent1"/>
                 </a:solidFill>
               </a14:hiddenFill>
             </a:ext>
             <a:ext uri="{91240B29-F687-4F45-9708-019B960494DF}">
-              <a14:hiddenLine xmlns:a14="http://schemas.microsoft.com/office/drawing/2010/main" w="9525">
+              <a14:hiddenLine xmlns:a14="http://schemas.microsoft.com/office/drawing/2010/main" xmlns="" w="9525">
                 <a:solidFill>
                   <a:schemeClr val="tx1"/>
                 </a:solidFill>
@@ -11417,7 +12138,7 @@
     </p:spTree>
     <p:extLst>
       <p:ext uri="{BB962C8B-B14F-4D97-AF65-F5344CB8AC3E}">
-        <p14:creationId xmlns:p14="http://schemas.microsoft.com/office/powerpoint/2010/main" val="3458149023"/>
+        <p14:creationId xmlns:p14="http://schemas.microsoft.com/office/powerpoint/2010/main" xmlns="" val="3458149023"/>
       </p:ext>
     </p:extLst>
   </p:cSld>
